--- a/Level0/General/Lý_Thuyết.pptx
+++ b/Level0/General/Lý_Thuyết.pptx
@@ -5,40 +5,49 @@
     <p:sldMasterId id="2147483668" r:id="rId1"/>
   </p:sldMasterIdLst>
   <p:notesMasterIdLst>
-    <p:notesMasterId r:id="rId5"/>
+    <p:notesMasterId r:id="rId14"/>
   </p:notesMasterIdLst>
   <p:sldIdLst>
     <p:sldId id="256" r:id="rId2"/>
     <p:sldId id="259" r:id="rId3"/>
     <p:sldId id="260" r:id="rId4"/>
+    <p:sldId id="261" r:id="rId5"/>
+    <p:sldId id="262" r:id="rId6"/>
+    <p:sldId id="263" r:id="rId7"/>
+    <p:sldId id="264" r:id="rId8"/>
+    <p:sldId id="265" r:id="rId9"/>
+    <p:sldId id="266" r:id="rId10"/>
+    <p:sldId id="267" r:id="rId11"/>
+    <p:sldId id="268" r:id="rId12"/>
+    <p:sldId id="269" r:id="rId13"/>
   </p:sldIdLst>
   <p:sldSz cx="12192000" cy="6858000"/>
   <p:notesSz cx="6858000" cy="9144000"/>
   <p:embeddedFontLst>
     <p:embeddedFont>
-      <p:font typeface="Abril Fatface" panose="020B0604020202020204" charset="0"/>
-      <p:regular r:id="rId6"/>
+      <p:font typeface="Abril Fatface" panose="02000503000000020003" pitchFamily="2" charset="0"/>
+      <p:regular r:id="rId15"/>
     </p:embeddedFont>
     <p:embeddedFont>
       <p:font typeface="Calibri" panose="020F0502020204030204" pitchFamily="34" charset="0"/>
-      <p:regular r:id="rId7"/>
-      <p:bold r:id="rId8"/>
-      <p:italic r:id="rId9"/>
-      <p:boldItalic r:id="rId10"/>
+      <p:regular r:id="rId16"/>
+      <p:bold r:id="rId17"/>
+      <p:italic r:id="rId18"/>
+      <p:boldItalic r:id="rId19"/>
     </p:embeddedFont>
     <p:embeddedFont>
-      <p:font typeface="Roboto" panose="020B0604020202020204" charset="0"/>
-      <p:regular r:id="rId11"/>
-      <p:bold r:id="rId12"/>
-      <p:italic r:id="rId13"/>
-      <p:boldItalic r:id="rId14"/>
+      <p:font typeface="Roboto" panose="02000000000000000000" pitchFamily="2" charset="0"/>
+      <p:regular r:id="rId20"/>
+      <p:bold r:id="rId21"/>
+      <p:italic r:id="rId22"/>
+      <p:boldItalic r:id="rId23"/>
     </p:embeddedFont>
     <p:embeddedFont>
-      <p:font typeface="Roboto Mono" panose="020B0604020202020204" charset="0"/>
-      <p:regular r:id="rId15"/>
-      <p:bold r:id="rId16"/>
-      <p:italic r:id="rId17"/>
-      <p:boldItalic r:id="rId18"/>
+      <p:font typeface="Roboto Mono" panose="00000009000000000000" pitchFamily="49" charset="0"/>
+      <p:regular r:id="rId24"/>
+      <p:bold r:id="rId25"/>
+      <p:italic r:id="rId26"/>
+      <p:boldItalic r:id="rId27"/>
     </p:embeddedFont>
   </p:embeddedFontLst>
   <p:defaultTextStyle>
@@ -861,6 +870,333 @@
 </p:notes>
 </file>
 
+<file path=ppt/notesSlides/notesSlide10.xml><?xml version="1.0" encoding="utf-8"?>
+<p:notes xmlns:a="http://schemas.openxmlformats.org/drawingml/2006/main" xmlns:r="http://schemas.openxmlformats.org/officeDocument/2006/relationships" xmlns:p="http://schemas.openxmlformats.org/presentationml/2006/main" showMasterSp="0" showMasterPhAnim="0">
+  <p:cSld>
+    <p:spTree>
+      <p:nvGrpSpPr>
+        <p:cNvPr id="1" name="Shape 413"/>
+        <p:cNvGrpSpPr/>
+        <p:nvPr/>
+      </p:nvGrpSpPr>
+      <p:grpSpPr>
+        <a:xfrm>
+          <a:off x="0" y="0"/>
+          <a:ext cx="0" cy="0"/>
+          <a:chOff x="0" y="0"/>
+          <a:chExt cx="0" cy="0"/>
+        </a:xfrm>
+      </p:grpSpPr>
+      <p:sp>
+        <p:nvSpPr>
+          <p:cNvPr id="414" name="Google Shape;414;ga073618e60_0_63:notes"/>
+          <p:cNvSpPr>
+            <a:spLocks noGrp="1" noRot="1" noChangeAspect="1"/>
+          </p:cNvSpPr>
+          <p:nvPr>
+            <p:ph type="sldImg" idx="2"/>
+          </p:nvPr>
+        </p:nvSpPr>
+        <p:spPr>
+          <a:xfrm>
+            <a:off x="381000" y="685800"/>
+            <a:ext cx="6096000" cy="3429000"/>
+          </a:xfrm>
+          <a:custGeom>
+            <a:avLst/>
+            <a:gdLst/>
+            <a:ahLst/>
+            <a:cxnLst/>
+            <a:rect l="l" t="t" r="r" b="b"/>
+            <a:pathLst>
+              <a:path w="120000" h="120000" extrusionOk="0">
+                <a:moveTo>
+                  <a:pt x="0" y="0"/>
+                </a:moveTo>
+                <a:lnTo>
+                  <a:pt x="120000" y="0"/>
+                </a:lnTo>
+                <a:lnTo>
+                  <a:pt x="120000" y="120000"/>
+                </a:lnTo>
+                <a:lnTo>
+                  <a:pt x="0" y="120000"/>
+                </a:lnTo>
+                <a:close/>
+              </a:path>
+            </a:pathLst>
+          </a:custGeom>
+        </p:spPr>
+      </p:sp>
+      <p:sp>
+        <p:nvSpPr>
+          <p:cNvPr id="415" name="Google Shape;415;ga073618e60_0_63:notes"/>
+          <p:cNvSpPr txBox="1">
+            <a:spLocks noGrp="1"/>
+          </p:cNvSpPr>
+          <p:nvPr>
+            <p:ph type="body" idx="1"/>
+          </p:nvPr>
+        </p:nvSpPr>
+        <p:spPr>
+          <a:xfrm>
+            <a:off x="685800" y="4343400"/>
+            <a:ext cx="5486400" cy="4114800"/>
+          </a:xfrm>
+          <a:prstGeom prst="rect">
+            <a:avLst/>
+          </a:prstGeom>
+        </p:spPr>
+        <p:txBody>
+          <a:bodyPr spcFirstLastPara="1" wrap="square" lIns="91425" tIns="91425" rIns="91425" bIns="91425" anchor="t" anchorCtr="0">
+            <a:noAutofit/>
+          </a:bodyPr>
+          <a:lstStyle/>
+          <a:p>
+            <a:pPr marL="0" lvl="0" indent="0" algn="l" rtl="0">
+              <a:spcBef>
+                <a:spcPts val="0"/>
+              </a:spcBef>
+              <a:spcAft>
+                <a:spcPts val="0"/>
+              </a:spcAft>
+              <a:buNone/>
+            </a:pPr>
+            <a:endParaRPr/>
+          </a:p>
+        </p:txBody>
+      </p:sp>
+    </p:spTree>
+    <p:extLst>
+      <p:ext uri="{BB962C8B-B14F-4D97-AF65-F5344CB8AC3E}">
+        <p14:creationId xmlns:p14="http://schemas.microsoft.com/office/powerpoint/2010/main" val="3175579225"/>
+      </p:ext>
+    </p:extLst>
+  </p:cSld>
+  <p:clrMapOvr>
+    <a:masterClrMapping/>
+  </p:clrMapOvr>
+</p:notes>
+</file>
+
+<file path=ppt/notesSlides/notesSlide11.xml><?xml version="1.0" encoding="utf-8"?>
+<p:notes xmlns:a="http://schemas.openxmlformats.org/drawingml/2006/main" xmlns:r="http://schemas.openxmlformats.org/officeDocument/2006/relationships" xmlns:p="http://schemas.openxmlformats.org/presentationml/2006/main" showMasterSp="0" showMasterPhAnim="0">
+  <p:cSld>
+    <p:spTree>
+      <p:nvGrpSpPr>
+        <p:cNvPr id="1" name="Shape 413"/>
+        <p:cNvGrpSpPr/>
+        <p:nvPr/>
+      </p:nvGrpSpPr>
+      <p:grpSpPr>
+        <a:xfrm>
+          <a:off x="0" y="0"/>
+          <a:ext cx="0" cy="0"/>
+          <a:chOff x="0" y="0"/>
+          <a:chExt cx="0" cy="0"/>
+        </a:xfrm>
+      </p:grpSpPr>
+      <p:sp>
+        <p:nvSpPr>
+          <p:cNvPr id="414" name="Google Shape;414;ga073618e60_0_63:notes"/>
+          <p:cNvSpPr>
+            <a:spLocks noGrp="1" noRot="1" noChangeAspect="1"/>
+          </p:cNvSpPr>
+          <p:nvPr>
+            <p:ph type="sldImg" idx="2"/>
+          </p:nvPr>
+        </p:nvSpPr>
+        <p:spPr>
+          <a:xfrm>
+            <a:off x="381000" y="685800"/>
+            <a:ext cx="6096000" cy="3429000"/>
+          </a:xfrm>
+          <a:custGeom>
+            <a:avLst/>
+            <a:gdLst/>
+            <a:ahLst/>
+            <a:cxnLst/>
+            <a:rect l="l" t="t" r="r" b="b"/>
+            <a:pathLst>
+              <a:path w="120000" h="120000" extrusionOk="0">
+                <a:moveTo>
+                  <a:pt x="0" y="0"/>
+                </a:moveTo>
+                <a:lnTo>
+                  <a:pt x="120000" y="0"/>
+                </a:lnTo>
+                <a:lnTo>
+                  <a:pt x="120000" y="120000"/>
+                </a:lnTo>
+                <a:lnTo>
+                  <a:pt x="0" y="120000"/>
+                </a:lnTo>
+                <a:close/>
+              </a:path>
+            </a:pathLst>
+          </a:custGeom>
+        </p:spPr>
+      </p:sp>
+      <p:sp>
+        <p:nvSpPr>
+          <p:cNvPr id="415" name="Google Shape;415;ga073618e60_0_63:notes"/>
+          <p:cNvSpPr txBox="1">
+            <a:spLocks noGrp="1"/>
+          </p:cNvSpPr>
+          <p:nvPr>
+            <p:ph type="body" idx="1"/>
+          </p:nvPr>
+        </p:nvSpPr>
+        <p:spPr>
+          <a:xfrm>
+            <a:off x="685800" y="4343400"/>
+            <a:ext cx="5486400" cy="4114800"/>
+          </a:xfrm>
+          <a:prstGeom prst="rect">
+            <a:avLst/>
+          </a:prstGeom>
+        </p:spPr>
+        <p:txBody>
+          <a:bodyPr spcFirstLastPara="1" wrap="square" lIns="91425" tIns="91425" rIns="91425" bIns="91425" anchor="t" anchorCtr="0">
+            <a:noAutofit/>
+          </a:bodyPr>
+          <a:lstStyle/>
+          <a:p>
+            <a:pPr marL="0" lvl="0" indent="0" algn="l" rtl="0">
+              <a:spcBef>
+                <a:spcPts val="0"/>
+              </a:spcBef>
+              <a:spcAft>
+                <a:spcPts val="0"/>
+              </a:spcAft>
+              <a:buNone/>
+            </a:pPr>
+            <a:endParaRPr/>
+          </a:p>
+        </p:txBody>
+      </p:sp>
+    </p:spTree>
+    <p:extLst>
+      <p:ext uri="{BB962C8B-B14F-4D97-AF65-F5344CB8AC3E}">
+        <p14:creationId xmlns:p14="http://schemas.microsoft.com/office/powerpoint/2010/main" val="2511187150"/>
+      </p:ext>
+    </p:extLst>
+  </p:cSld>
+  <p:clrMapOvr>
+    <a:masterClrMapping/>
+  </p:clrMapOvr>
+</p:notes>
+</file>
+
+<file path=ppt/notesSlides/notesSlide12.xml><?xml version="1.0" encoding="utf-8"?>
+<p:notes xmlns:a="http://schemas.openxmlformats.org/drawingml/2006/main" xmlns:r="http://schemas.openxmlformats.org/officeDocument/2006/relationships" xmlns:p="http://schemas.openxmlformats.org/presentationml/2006/main" showMasterSp="0" showMasterPhAnim="0">
+  <p:cSld>
+    <p:spTree>
+      <p:nvGrpSpPr>
+        <p:cNvPr id="1" name="Shape 413"/>
+        <p:cNvGrpSpPr/>
+        <p:nvPr/>
+      </p:nvGrpSpPr>
+      <p:grpSpPr>
+        <a:xfrm>
+          <a:off x="0" y="0"/>
+          <a:ext cx="0" cy="0"/>
+          <a:chOff x="0" y="0"/>
+          <a:chExt cx="0" cy="0"/>
+        </a:xfrm>
+      </p:grpSpPr>
+      <p:sp>
+        <p:nvSpPr>
+          <p:cNvPr id="414" name="Google Shape;414;ga073618e60_0_63:notes"/>
+          <p:cNvSpPr>
+            <a:spLocks noGrp="1" noRot="1" noChangeAspect="1"/>
+          </p:cNvSpPr>
+          <p:nvPr>
+            <p:ph type="sldImg" idx="2"/>
+          </p:nvPr>
+        </p:nvSpPr>
+        <p:spPr>
+          <a:xfrm>
+            <a:off x="381000" y="685800"/>
+            <a:ext cx="6096000" cy="3429000"/>
+          </a:xfrm>
+          <a:custGeom>
+            <a:avLst/>
+            <a:gdLst/>
+            <a:ahLst/>
+            <a:cxnLst/>
+            <a:rect l="l" t="t" r="r" b="b"/>
+            <a:pathLst>
+              <a:path w="120000" h="120000" extrusionOk="0">
+                <a:moveTo>
+                  <a:pt x="0" y="0"/>
+                </a:moveTo>
+                <a:lnTo>
+                  <a:pt x="120000" y="0"/>
+                </a:lnTo>
+                <a:lnTo>
+                  <a:pt x="120000" y="120000"/>
+                </a:lnTo>
+                <a:lnTo>
+                  <a:pt x="0" y="120000"/>
+                </a:lnTo>
+                <a:close/>
+              </a:path>
+            </a:pathLst>
+          </a:custGeom>
+        </p:spPr>
+      </p:sp>
+      <p:sp>
+        <p:nvSpPr>
+          <p:cNvPr id="415" name="Google Shape;415;ga073618e60_0_63:notes"/>
+          <p:cNvSpPr txBox="1">
+            <a:spLocks noGrp="1"/>
+          </p:cNvSpPr>
+          <p:nvPr>
+            <p:ph type="body" idx="1"/>
+          </p:nvPr>
+        </p:nvSpPr>
+        <p:spPr>
+          <a:xfrm>
+            <a:off x="685800" y="4343400"/>
+            <a:ext cx="5486400" cy="4114800"/>
+          </a:xfrm>
+          <a:prstGeom prst="rect">
+            <a:avLst/>
+          </a:prstGeom>
+        </p:spPr>
+        <p:txBody>
+          <a:bodyPr spcFirstLastPara="1" wrap="square" lIns="91425" tIns="91425" rIns="91425" bIns="91425" anchor="t" anchorCtr="0">
+            <a:noAutofit/>
+          </a:bodyPr>
+          <a:lstStyle/>
+          <a:p>
+            <a:pPr marL="0" lvl="0" indent="0" algn="l" rtl="0">
+              <a:spcBef>
+                <a:spcPts val="0"/>
+              </a:spcBef>
+              <a:spcAft>
+                <a:spcPts val="0"/>
+              </a:spcAft>
+              <a:buNone/>
+            </a:pPr>
+            <a:endParaRPr/>
+          </a:p>
+        </p:txBody>
+      </p:sp>
+    </p:spTree>
+    <p:extLst>
+      <p:ext uri="{BB962C8B-B14F-4D97-AF65-F5344CB8AC3E}">
+        <p14:creationId xmlns:p14="http://schemas.microsoft.com/office/powerpoint/2010/main" val="1996576289"/>
+      </p:ext>
+    </p:extLst>
+  </p:cSld>
+  <p:clrMapOvr>
+    <a:masterClrMapping/>
+  </p:clrMapOvr>
+</p:notes>
+</file>
+
 <file path=ppt/notesSlides/notesSlide2.xml><?xml version="1.0" encoding="utf-8"?>
 <p:notes xmlns:a="http://schemas.openxmlformats.org/drawingml/2006/main" xmlns:r="http://schemas.openxmlformats.org/officeDocument/2006/relationships" xmlns:p="http://schemas.openxmlformats.org/presentationml/2006/main" showMasterSp="0" showMasterPhAnim="0">
   <p:cSld>
@@ -1062,6 +1398,660 @@
         </p:txBody>
       </p:sp>
     </p:spTree>
+  </p:cSld>
+  <p:clrMapOvr>
+    <a:masterClrMapping/>
+  </p:clrMapOvr>
+</p:notes>
+</file>
+
+<file path=ppt/notesSlides/notesSlide4.xml><?xml version="1.0" encoding="utf-8"?>
+<p:notes xmlns:a="http://schemas.openxmlformats.org/drawingml/2006/main" xmlns:r="http://schemas.openxmlformats.org/officeDocument/2006/relationships" xmlns:p="http://schemas.openxmlformats.org/presentationml/2006/main" showMasterSp="0" showMasterPhAnim="0">
+  <p:cSld>
+    <p:spTree>
+      <p:nvGrpSpPr>
+        <p:cNvPr id="1" name="Shape 413"/>
+        <p:cNvGrpSpPr/>
+        <p:nvPr/>
+      </p:nvGrpSpPr>
+      <p:grpSpPr>
+        <a:xfrm>
+          <a:off x="0" y="0"/>
+          <a:ext cx="0" cy="0"/>
+          <a:chOff x="0" y="0"/>
+          <a:chExt cx="0" cy="0"/>
+        </a:xfrm>
+      </p:grpSpPr>
+      <p:sp>
+        <p:nvSpPr>
+          <p:cNvPr id="414" name="Google Shape;414;ga073618e60_0_63:notes"/>
+          <p:cNvSpPr>
+            <a:spLocks noGrp="1" noRot="1" noChangeAspect="1"/>
+          </p:cNvSpPr>
+          <p:nvPr>
+            <p:ph type="sldImg" idx="2"/>
+          </p:nvPr>
+        </p:nvSpPr>
+        <p:spPr>
+          <a:xfrm>
+            <a:off x="381000" y="685800"/>
+            <a:ext cx="6096000" cy="3429000"/>
+          </a:xfrm>
+          <a:custGeom>
+            <a:avLst/>
+            <a:gdLst/>
+            <a:ahLst/>
+            <a:cxnLst/>
+            <a:rect l="l" t="t" r="r" b="b"/>
+            <a:pathLst>
+              <a:path w="120000" h="120000" extrusionOk="0">
+                <a:moveTo>
+                  <a:pt x="0" y="0"/>
+                </a:moveTo>
+                <a:lnTo>
+                  <a:pt x="120000" y="0"/>
+                </a:lnTo>
+                <a:lnTo>
+                  <a:pt x="120000" y="120000"/>
+                </a:lnTo>
+                <a:lnTo>
+                  <a:pt x="0" y="120000"/>
+                </a:lnTo>
+                <a:close/>
+              </a:path>
+            </a:pathLst>
+          </a:custGeom>
+        </p:spPr>
+      </p:sp>
+      <p:sp>
+        <p:nvSpPr>
+          <p:cNvPr id="415" name="Google Shape;415;ga073618e60_0_63:notes"/>
+          <p:cNvSpPr txBox="1">
+            <a:spLocks noGrp="1"/>
+          </p:cNvSpPr>
+          <p:nvPr>
+            <p:ph type="body" idx="1"/>
+          </p:nvPr>
+        </p:nvSpPr>
+        <p:spPr>
+          <a:xfrm>
+            <a:off x="685800" y="4343400"/>
+            <a:ext cx="5486400" cy="4114800"/>
+          </a:xfrm>
+          <a:prstGeom prst="rect">
+            <a:avLst/>
+          </a:prstGeom>
+        </p:spPr>
+        <p:txBody>
+          <a:bodyPr spcFirstLastPara="1" wrap="square" lIns="91425" tIns="91425" rIns="91425" bIns="91425" anchor="t" anchorCtr="0">
+            <a:noAutofit/>
+          </a:bodyPr>
+          <a:lstStyle/>
+          <a:p>
+            <a:pPr marL="0" lvl="0" indent="0" algn="l" rtl="0">
+              <a:spcBef>
+                <a:spcPts val="0"/>
+              </a:spcBef>
+              <a:spcAft>
+                <a:spcPts val="0"/>
+              </a:spcAft>
+              <a:buNone/>
+            </a:pPr>
+            <a:endParaRPr/>
+          </a:p>
+        </p:txBody>
+      </p:sp>
+    </p:spTree>
+    <p:extLst>
+      <p:ext uri="{BB962C8B-B14F-4D97-AF65-F5344CB8AC3E}">
+        <p14:creationId xmlns:p14="http://schemas.microsoft.com/office/powerpoint/2010/main" val="2509937371"/>
+      </p:ext>
+    </p:extLst>
+  </p:cSld>
+  <p:clrMapOvr>
+    <a:masterClrMapping/>
+  </p:clrMapOvr>
+</p:notes>
+</file>
+
+<file path=ppt/notesSlides/notesSlide5.xml><?xml version="1.0" encoding="utf-8"?>
+<p:notes xmlns:a="http://schemas.openxmlformats.org/drawingml/2006/main" xmlns:r="http://schemas.openxmlformats.org/officeDocument/2006/relationships" xmlns:p="http://schemas.openxmlformats.org/presentationml/2006/main" showMasterSp="0" showMasterPhAnim="0">
+  <p:cSld>
+    <p:spTree>
+      <p:nvGrpSpPr>
+        <p:cNvPr id="1" name="Shape 413"/>
+        <p:cNvGrpSpPr/>
+        <p:nvPr/>
+      </p:nvGrpSpPr>
+      <p:grpSpPr>
+        <a:xfrm>
+          <a:off x="0" y="0"/>
+          <a:ext cx="0" cy="0"/>
+          <a:chOff x="0" y="0"/>
+          <a:chExt cx="0" cy="0"/>
+        </a:xfrm>
+      </p:grpSpPr>
+      <p:sp>
+        <p:nvSpPr>
+          <p:cNvPr id="414" name="Google Shape;414;ga073618e60_0_63:notes"/>
+          <p:cNvSpPr>
+            <a:spLocks noGrp="1" noRot="1" noChangeAspect="1"/>
+          </p:cNvSpPr>
+          <p:nvPr>
+            <p:ph type="sldImg" idx="2"/>
+          </p:nvPr>
+        </p:nvSpPr>
+        <p:spPr>
+          <a:xfrm>
+            <a:off x="381000" y="685800"/>
+            <a:ext cx="6096000" cy="3429000"/>
+          </a:xfrm>
+          <a:custGeom>
+            <a:avLst/>
+            <a:gdLst/>
+            <a:ahLst/>
+            <a:cxnLst/>
+            <a:rect l="l" t="t" r="r" b="b"/>
+            <a:pathLst>
+              <a:path w="120000" h="120000" extrusionOk="0">
+                <a:moveTo>
+                  <a:pt x="0" y="0"/>
+                </a:moveTo>
+                <a:lnTo>
+                  <a:pt x="120000" y="0"/>
+                </a:lnTo>
+                <a:lnTo>
+                  <a:pt x="120000" y="120000"/>
+                </a:lnTo>
+                <a:lnTo>
+                  <a:pt x="0" y="120000"/>
+                </a:lnTo>
+                <a:close/>
+              </a:path>
+            </a:pathLst>
+          </a:custGeom>
+        </p:spPr>
+      </p:sp>
+      <p:sp>
+        <p:nvSpPr>
+          <p:cNvPr id="415" name="Google Shape;415;ga073618e60_0_63:notes"/>
+          <p:cNvSpPr txBox="1">
+            <a:spLocks noGrp="1"/>
+          </p:cNvSpPr>
+          <p:nvPr>
+            <p:ph type="body" idx="1"/>
+          </p:nvPr>
+        </p:nvSpPr>
+        <p:spPr>
+          <a:xfrm>
+            <a:off x="685800" y="4343400"/>
+            <a:ext cx="5486400" cy="4114800"/>
+          </a:xfrm>
+          <a:prstGeom prst="rect">
+            <a:avLst/>
+          </a:prstGeom>
+        </p:spPr>
+        <p:txBody>
+          <a:bodyPr spcFirstLastPara="1" wrap="square" lIns="91425" tIns="91425" rIns="91425" bIns="91425" anchor="t" anchorCtr="0">
+            <a:noAutofit/>
+          </a:bodyPr>
+          <a:lstStyle/>
+          <a:p>
+            <a:pPr marL="0" lvl="0" indent="0" algn="l" rtl="0">
+              <a:spcBef>
+                <a:spcPts val="0"/>
+              </a:spcBef>
+              <a:spcAft>
+                <a:spcPts val="0"/>
+              </a:spcAft>
+              <a:buNone/>
+            </a:pPr>
+            <a:endParaRPr/>
+          </a:p>
+        </p:txBody>
+      </p:sp>
+    </p:spTree>
+    <p:extLst>
+      <p:ext uri="{BB962C8B-B14F-4D97-AF65-F5344CB8AC3E}">
+        <p14:creationId xmlns:p14="http://schemas.microsoft.com/office/powerpoint/2010/main" val="4054934667"/>
+      </p:ext>
+    </p:extLst>
+  </p:cSld>
+  <p:clrMapOvr>
+    <a:masterClrMapping/>
+  </p:clrMapOvr>
+</p:notes>
+</file>
+
+<file path=ppt/notesSlides/notesSlide6.xml><?xml version="1.0" encoding="utf-8"?>
+<p:notes xmlns:a="http://schemas.openxmlformats.org/drawingml/2006/main" xmlns:r="http://schemas.openxmlformats.org/officeDocument/2006/relationships" xmlns:p="http://schemas.openxmlformats.org/presentationml/2006/main" showMasterSp="0" showMasterPhAnim="0">
+  <p:cSld>
+    <p:spTree>
+      <p:nvGrpSpPr>
+        <p:cNvPr id="1" name="Shape 413"/>
+        <p:cNvGrpSpPr/>
+        <p:nvPr/>
+      </p:nvGrpSpPr>
+      <p:grpSpPr>
+        <a:xfrm>
+          <a:off x="0" y="0"/>
+          <a:ext cx="0" cy="0"/>
+          <a:chOff x="0" y="0"/>
+          <a:chExt cx="0" cy="0"/>
+        </a:xfrm>
+      </p:grpSpPr>
+      <p:sp>
+        <p:nvSpPr>
+          <p:cNvPr id="414" name="Google Shape;414;ga073618e60_0_63:notes"/>
+          <p:cNvSpPr>
+            <a:spLocks noGrp="1" noRot="1" noChangeAspect="1"/>
+          </p:cNvSpPr>
+          <p:nvPr>
+            <p:ph type="sldImg" idx="2"/>
+          </p:nvPr>
+        </p:nvSpPr>
+        <p:spPr>
+          <a:xfrm>
+            <a:off x="381000" y="685800"/>
+            <a:ext cx="6096000" cy="3429000"/>
+          </a:xfrm>
+          <a:custGeom>
+            <a:avLst/>
+            <a:gdLst/>
+            <a:ahLst/>
+            <a:cxnLst/>
+            <a:rect l="l" t="t" r="r" b="b"/>
+            <a:pathLst>
+              <a:path w="120000" h="120000" extrusionOk="0">
+                <a:moveTo>
+                  <a:pt x="0" y="0"/>
+                </a:moveTo>
+                <a:lnTo>
+                  <a:pt x="120000" y="0"/>
+                </a:lnTo>
+                <a:lnTo>
+                  <a:pt x="120000" y="120000"/>
+                </a:lnTo>
+                <a:lnTo>
+                  <a:pt x="0" y="120000"/>
+                </a:lnTo>
+                <a:close/>
+              </a:path>
+            </a:pathLst>
+          </a:custGeom>
+        </p:spPr>
+      </p:sp>
+      <p:sp>
+        <p:nvSpPr>
+          <p:cNvPr id="415" name="Google Shape;415;ga073618e60_0_63:notes"/>
+          <p:cNvSpPr txBox="1">
+            <a:spLocks noGrp="1"/>
+          </p:cNvSpPr>
+          <p:nvPr>
+            <p:ph type="body" idx="1"/>
+          </p:nvPr>
+        </p:nvSpPr>
+        <p:spPr>
+          <a:xfrm>
+            <a:off x="685800" y="4343400"/>
+            <a:ext cx="5486400" cy="4114800"/>
+          </a:xfrm>
+          <a:prstGeom prst="rect">
+            <a:avLst/>
+          </a:prstGeom>
+        </p:spPr>
+        <p:txBody>
+          <a:bodyPr spcFirstLastPara="1" wrap="square" lIns="91425" tIns="91425" rIns="91425" bIns="91425" anchor="t" anchorCtr="0">
+            <a:noAutofit/>
+          </a:bodyPr>
+          <a:lstStyle/>
+          <a:p>
+            <a:pPr marL="0" lvl="0" indent="0" algn="l" rtl="0">
+              <a:spcBef>
+                <a:spcPts val="0"/>
+              </a:spcBef>
+              <a:spcAft>
+                <a:spcPts val="0"/>
+              </a:spcAft>
+              <a:buNone/>
+            </a:pPr>
+            <a:endParaRPr/>
+          </a:p>
+        </p:txBody>
+      </p:sp>
+    </p:spTree>
+    <p:extLst>
+      <p:ext uri="{BB962C8B-B14F-4D97-AF65-F5344CB8AC3E}">
+        <p14:creationId xmlns:p14="http://schemas.microsoft.com/office/powerpoint/2010/main" val="275763020"/>
+      </p:ext>
+    </p:extLst>
+  </p:cSld>
+  <p:clrMapOvr>
+    <a:masterClrMapping/>
+  </p:clrMapOvr>
+</p:notes>
+</file>
+
+<file path=ppt/notesSlides/notesSlide7.xml><?xml version="1.0" encoding="utf-8"?>
+<p:notes xmlns:a="http://schemas.openxmlformats.org/drawingml/2006/main" xmlns:r="http://schemas.openxmlformats.org/officeDocument/2006/relationships" xmlns:p="http://schemas.openxmlformats.org/presentationml/2006/main" showMasterSp="0" showMasterPhAnim="0">
+  <p:cSld>
+    <p:spTree>
+      <p:nvGrpSpPr>
+        <p:cNvPr id="1" name="Shape 413"/>
+        <p:cNvGrpSpPr/>
+        <p:nvPr/>
+      </p:nvGrpSpPr>
+      <p:grpSpPr>
+        <a:xfrm>
+          <a:off x="0" y="0"/>
+          <a:ext cx="0" cy="0"/>
+          <a:chOff x="0" y="0"/>
+          <a:chExt cx="0" cy="0"/>
+        </a:xfrm>
+      </p:grpSpPr>
+      <p:sp>
+        <p:nvSpPr>
+          <p:cNvPr id="414" name="Google Shape;414;ga073618e60_0_63:notes"/>
+          <p:cNvSpPr>
+            <a:spLocks noGrp="1" noRot="1" noChangeAspect="1"/>
+          </p:cNvSpPr>
+          <p:nvPr>
+            <p:ph type="sldImg" idx="2"/>
+          </p:nvPr>
+        </p:nvSpPr>
+        <p:spPr>
+          <a:xfrm>
+            <a:off x="381000" y="685800"/>
+            <a:ext cx="6096000" cy="3429000"/>
+          </a:xfrm>
+          <a:custGeom>
+            <a:avLst/>
+            <a:gdLst/>
+            <a:ahLst/>
+            <a:cxnLst/>
+            <a:rect l="l" t="t" r="r" b="b"/>
+            <a:pathLst>
+              <a:path w="120000" h="120000" extrusionOk="0">
+                <a:moveTo>
+                  <a:pt x="0" y="0"/>
+                </a:moveTo>
+                <a:lnTo>
+                  <a:pt x="120000" y="0"/>
+                </a:lnTo>
+                <a:lnTo>
+                  <a:pt x="120000" y="120000"/>
+                </a:lnTo>
+                <a:lnTo>
+                  <a:pt x="0" y="120000"/>
+                </a:lnTo>
+                <a:close/>
+              </a:path>
+            </a:pathLst>
+          </a:custGeom>
+        </p:spPr>
+      </p:sp>
+      <p:sp>
+        <p:nvSpPr>
+          <p:cNvPr id="415" name="Google Shape;415;ga073618e60_0_63:notes"/>
+          <p:cNvSpPr txBox="1">
+            <a:spLocks noGrp="1"/>
+          </p:cNvSpPr>
+          <p:nvPr>
+            <p:ph type="body" idx="1"/>
+          </p:nvPr>
+        </p:nvSpPr>
+        <p:spPr>
+          <a:xfrm>
+            <a:off x="685800" y="4343400"/>
+            <a:ext cx="5486400" cy="4114800"/>
+          </a:xfrm>
+          <a:prstGeom prst="rect">
+            <a:avLst/>
+          </a:prstGeom>
+        </p:spPr>
+        <p:txBody>
+          <a:bodyPr spcFirstLastPara="1" wrap="square" lIns="91425" tIns="91425" rIns="91425" bIns="91425" anchor="t" anchorCtr="0">
+            <a:noAutofit/>
+          </a:bodyPr>
+          <a:lstStyle/>
+          <a:p>
+            <a:pPr marL="0" lvl="0" indent="0" algn="l" rtl="0">
+              <a:spcBef>
+                <a:spcPts val="0"/>
+              </a:spcBef>
+              <a:spcAft>
+                <a:spcPts val="0"/>
+              </a:spcAft>
+              <a:buNone/>
+            </a:pPr>
+            <a:endParaRPr/>
+          </a:p>
+        </p:txBody>
+      </p:sp>
+    </p:spTree>
+    <p:extLst>
+      <p:ext uri="{BB962C8B-B14F-4D97-AF65-F5344CB8AC3E}">
+        <p14:creationId xmlns:p14="http://schemas.microsoft.com/office/powerpoint/2010/main" val="199217745"/>
+      </p:ext>
+    </p:extLst>
+  </p:cSld>
+  <p:clrMapOvr>
+    <a:masterClrMapping/>
+  </p:clrMapOvr>
+</p:notes>
+</file>
+
+<file path=ppt/notesSlides/notesSlide8.xml><?xml version="1.0" encoding="utf-8"?>
+<p:notes xmlns:a="http://schemas.openxmlformats.org/drawingml/2006/main" xmlns:r="http://schemas.openxmlformats.org/officeDocument/2006/relationships" xmlns:p="http://schemas.openxmlformats.org/presentationml/2006/main" showMasterSp="0" showMasterPhAnim="0">
+  <p:cSld>
+    <p:spTree>
+      <p:nvGrpSpPr>
+        <p:cNvPr id="1" name="Shape 413"/>
+        <p:cNvGrpSpPr/>
+        <p:nvPr/>
+      </p:nvGrpSpPr>
+      <p:grpSpPr>
+        <a:xfrm>
+          <a:off x="0" y="0"/>
+          <a:ext cx="0" cy="0"/>
+          <a:chOff x="0" y="0"/>
+          <a:chExt cx="0" cy="0"/>
+        </a:xfrm>
+      </p:grpSpPr>
+      <p:sp>
+        <p:nvSpPr>
+          <p:cNvPr id="414" name="Google Shape;414;ga073618e60_0_63:notes"/>
+          <p:cNvSpPr>
+            <a:spLocks noGrp="1" noRot="1" noChangeAspect="1"/>
+          </p:cNvSpPr>
+          <p:nvPr>
+            <p:ph type="sldImg" idx="2"/>
+          </p:nvPr>
+        </p:nvSpPr>
+        <p:spPr>
+          <a:xfrm>
+            <a:off x="381000" y="685800"/>
+            <a:ext cx="6096000" cy="3429000"/>
+          </a:xfrm>
+          <a:custGeom>
+            <a:avLst/>
+            <a:gdLst/>
+            <a:ahLst/>
+            <a:cxnLst/>
+            <a:rect l="l" t="t" r="r" b="b"/>
+            <a:pathLst>
+              <a:path w="120000" h="120000" extrusionOk="0">
+                <a:moveTo>
+                  <a:pt x="0" y="0"/>
+                </a:moveTo>
+                <a:lnTo>
+                  <a:pt x="120000" y="0"/>
+                </a:lnTo>
+                <a:lnTo>
+                  <a:pt x="120000" y="120000"/>
+                </a:lnTo>
+                <a:lnTo>
+                  <a:pt x="0" y="120000"/>
+                </a:lnTo>
+                <a:close/>
+              </a:path>
+            </a:pathLst>
+          </a:custGeom>
+        </p:spPr>
+      </p:sp>
+      <p:sp>
+        <p:nvSpPr>
+          <p:cNvPr id="415" name="Google Shape;415;ga073618e60_0_63:notes"/>
+          <p:cNvSpPr txBox="1">
+            <a:spLocks noGrp="1"/>
+          </p:cNvSpPr>
+          <p:nvPr>
+            <p:ph type="body" idx="1"/>
+          </p:nvPr>
+        </p:nvSpPr>
+        <p:spPr>
+          <a:xfrm>
+            <a:off x="685800" y="4343400"/>
+            <a:ext cx="5486400" cy="4114800"/>
+          </a:xfrm>
+          <a:prstGeom prst="rect">
+            <a:avLst/>
+          </a:prstGeom>
+        </p:spPr>
+        <p:txBody>
+          <a:bodyPr spcFirstLastPara="1" wrap="square" lIns="91425" tIns="91425" rIns="91425" bIns="91425" anchor="t" anchorCtr="0">
+            <a:noAutofit/>
+          </a:bodyPr>
+          <a:lstStyle/>
+          <a:p>
+            <a:pPr marL="0" lvl="0" indent="0" algn="l" rtl="0">
+              <a:spcBef>
+                <a:spcPts val="0"/>
+              </a:spcBef>
+              <a:spcAft>
+                <a:spcPts val="0"/>
+              </a:spcAft>
+              <a:buNone/>
+            </a:pPr>
+            <a:endParaRPr/>
+          </a:p>
+        </p:txBody>
+      </p:sp>
+    </p:spTree>
+    <p:extLst>
+      <p:ext uri="{BB962C8B-B14F-4D97-AF65-F5344CB8AC3E}">
+        <p14:creationId xmlns:p14="http://schemas.microsoft.com/office/powerpoint/2010/main" val="4185388229"/>
+      </p:ext>
+    </p:extLst>
+  </p:cSld>
+  <p:clrMapOvr>
+    <a:masterClrMapping/>
+  </p:clrMapOvr>
+</p:notes>
+</file>
+
+<file path=ppt/notesSlides/notesSlide9.xml><?xml version="1.0" encoding="utf-8"?>
+<p:notes xmlns:a="http://schemas.openxmlformats.org/drawingml/2006/main" xmlns:r="http://schemas.openxmlformats.org/officeDocument/2006/relationships" xmlns:p="http://schemas.openxmlformats.org/presentationml/2006/main" showMasterSp="0" showMasterPhAnim="0">
+  <p:cSld>
+    <p:spTree>
+      <p:nvGrpSpPr>
+        <p:cNvPr id="1" name="Shape 413"/>
+        <p:cNvGrpSpPr/>
+        <p:nvPr/>
+      </p:nvGrpSpPr>
+      <p:grpSpPr>
+        <a:xfrm>
+          <a:off x="0" y="0"/>
+          <a:ext cx="0" cy="0"/>
+          <a:chOff x="0" y="0"/>
+          <a:chExt cx="0" cy="0"/>
+        </a:xfrm>
+      </p:grpSpPr>
+      <p:sp>
+        <p:nvSpPr>
+          <p:cNvPr id="414" name="Google Shape;414;ga073618e60_0_63:notes"/>
+          <p:cNvSpPr>
+            <a:spLocks noGrp="1" noRot="1" noChangeAspect="1"/>
+          </p:cNvSpPr>
+          <p:nvPr>
+            <p:ph type="sldImg" idx="2"/>
+          </p:nvPr>
+        </p:nvSpPr>
+        <p:spPr>
+          <a:xfrm>
+            <a:off x="381000" y="685800"/>
+            <a:ext cx="6096000" cy="3429000"/>
+          </a:xfrm>
+          <a:custGeom>
+            <a:avLst/>
+            <a:gdLst/>
+            <a:ahLst/>
+            <a:cxnLst/>
+            <a:rect l="l" t="t" r="r" b="b"/>
+            <a:pathLst>
+              <a:path w="120000" h="120000" extrusionOk="0">
+                <a:moveTo>
+                  <a:pt x="0" y="0"/>
+                </a:moveTo>
+                <a:lnTo>
+                  <a:pt x="120000" y="0"/>
+                </a:lnTo>
+                <a:lnTo>
+                  <a:pt x="120000" y="120000"/>
+                </a:lnTo>
+                <a:lnTo>
+                  <a:pt x="0" y="120000"/>
+                </a:lnTo>
+                <a:close/>
+              </a:path>
+            </a:pathLst>
+          </a:custGeom>
+        </p:spPr>
+      </p:sp>
+      <p:sp>
+        <p:nvSpPr>
+          <p:cNvPr id="415" name="Google Shape;415;ga073618e60_0_63:notes"/>
+          <p:cNvSpPr txBox="1">
+            <a:spLocks noGrp="1"/>
+          </p:cNvSpPr>
+          <p:nvPr>
+            <p:ph type="body" idx="1"/>
+          </p:nvPr>
+        </p:nvSpPr>
+        <p:spPr>
+          <a:xfrm>
+            <a:off x="685800" y="4343400"/>
+            <a:ext cx="5486400" cy="4114800"/>
+          </a:xfrm>
+          <a:prstGeom prst="rect">
+            <a:avLst/>
+          </a:prstGeom>
+        </p:spPr>
+        <p:txBody>
+          <a:bodyPr spcFirstLastPara="1" wrap="square" lIns="91425" tIns="91425" rIns="91425" bIns="91425" anchor="t" anchorCtr="0">
+            <a:noAutofit/>
+          </a:bodyPr>
+          <a:lstStyle/>
+          <a:p>
+            <a:pPr marL="0" lvl="0" indent="0" algn="l" rtl="0">
+              <a:spcBef>
+                <a:spcPts val="0"/>
+              </a:spcBef>
+              <a:spcAft>
+                <a:spcPts val="0"/>
+              </a:spcAft>
+              <a:buNone/>
+            </a:pPr>
+            <a:endParaRPr/>
+          </a:p>
+        </p:txBody>
+      </p:sp>
+    </p:spTree>
+    <p:extLst>
+      <p:ext uri="{BB962C8B-B14F-4D97-AF65-F5344CB8AC3E}">
+        <p14:creationId xmlns:p14="http://schemas.microsoft.com/office/powerpoint/2010/main" val="196439697"/>
+      </p:ext>
+    </p:extLst>
   </p:cSld>
   <p:clrMapOvr>
     <a:masterClrMapping/>
@@ -11946,6 +12936,993 @@
 </p:sld>
 </file>
 
+<file path=ppt/slides/slide10.xml><?xml version="1.0" encoding="utf-8"?>
+<p:sld xmlns:a="http://schemas.openxmlformats.org/drawingml/2006/main" xmlns:r="http://schemas.openxmlformats.org/officeDocument/2006/relationships" xmlns:p="http://schemas.openxmlformats.org/presentationml/2006/main">
+  <p:cSld>
+    <p:spTree>
+      <p:nvGrpSpPr>
+        <p:cNvPr id="1" name="Shape 416"/>
+        <p:cNvGrpSpPr/>
+        <p:nvPr/>
+      </p:nvGrpSpPr>
+      <p:grpSpPr>
+        <a:xfrm>
+          <a:off x="0" y="0"/>
+          <a:ext cx="0" cy="0"/>
+          <a:chOff x="0" y="0"/>
+          <a:chExt cx="0" cy="0"/>
+        </a:xfrm>
+      </p:grpSpPr>
+      <p:sp>
+        <p:nvSpPr>
+          <p:cNvPr id="2" name="TextBox 1">
+            <a:extLst>
+              <a:ext uri="{FF2B5EF4-FFF2-40B4-BE49-F238E27FC236}">
+                <a16:creationId xmlns:a16="http://schemas.microsoft.com/office/drawing/2014/main" id="{E3FCE185-0D50-6E3C-0A4B-9927E31CB7C7}"/>
+              </a:ext>
+            </a:extLst>
+          </p:cNvPr>
+          <p:cNvSpPr txBox="1"/>
+          <p:nvPr/>
+        </p:nvSpPr>
+        <p:spPr>
+          <a:xfrm>
+            <a:off x="5613662" y="2974156"/>
+            <a:ext cx="914400" cy="914400"/>
+          </a:xfrm>
+          <a:prstGeom prst="rect">
+            <a:avLst/>
+          </a:prstGeom>
+          <a:noFill/>
+        </p:spPr>
+        <p:txBody>
+          <a:bodyPr wrap="square" rtlCol="0">
+            <a:spAutoFit/>
+          </a:bodyPr>
+          <a:lstStyle/>
+          <a:p>
+            <a:endParaRPr lang="vi-VN" dirty="0"/>
+          </a:p>
+        </p:txBody>
+      </p:sp>
+      <p:sp>
+        <p:nvSpPr>
+          <p:cNvPr id="8" name="Google Shape;381;p22">
+            <a:extLst>
+              <a:ext uri="{FF2B5EF4-FFF2-40B4-BE49-F238E27FC236}">
+                <a16:creationId xmlns:a16="http://schemas.microsoft.com/office/drawing/2014/main" id="{08B6F9F3-8E39-98AE-43C3-A18A3A15A8EC}"/>
+              </a:ext>
+            </a:extLst>
+          </p:cNvPr>
+          <p:cNvSpPr txBox="1">
+            <a:spLocks noGrp="1"/>
+          </p:cNvSpPr>
+          <p:nvPr>
+            <p:ph type="subTitle" idx="1"/>
+          </p:nvPr>
+        </p:nvSpPr>
+        <p:spPr>
+          <a:xfrm>
+            <a:off x="1160400" y="1278893"/>
+            <a:ext cx="4935600" cy="798000"/>
+          </a:xfrm>
+          <a:prstGeom prst="rect">
+            <a:avLst/>
+          </a:prstGeom>
+        </p:spPr>
+        <p:txBody>
+          <a:bodyPr spcFirstLastPara="1" wrap="square" lIns="121900" tIns="121900" rIns="121900" bIns="121900" anchor="t" anchorCtr="0">
+            <a:noAutofit/>
+          </a:bodyPr>
+          <a:lstStyle/>
+          <a:p>
+            <a:pPr marL="0" lvl="0" indent="0" algn="l" rtl="0">
+              <a:spcBef>
+                <a:spcPts val="0"/>
+              </a:spcBef>
+              <a:spcAft>
+                <a:spcPts val="2100"/>
+              </a:spcAft>
+              <a:buNone/>
+            </a:pPr>
+            <a:r>
+              <a:rPr lang="vi-VN" dirty="0">
+                <a:solidFill>
+                  <a:schemeClr val="accent1"/>
+                </a:solidFill>
+              </a:rPr>
+              <a:t>3.Array</a:t>
+            </a:r>
+            <a:endParaRPr dirty="0">
+              <a:solidFill>
+                <a:schemeClr val="accent1"/>
+              </a:solidFill>
+            </a:endParaRPr>
+          </a:p>
+        </p:txBody>
+      </p:sp>
+      <p:sp>
+        <p:nvSpPr>
+          <p:cNvPr id="9" name="TextBox 8">
+            <a:extLst>
+              <a:ext uri="{FF2B5EF4-FFF2-40B4-BE49-F238E27FC236}">
+                <a16:creationId xmlns:a16="http://schemas.microsoft.com/office/drawing/2014/main" id="{56855226-A937-E460-9009-9131514EE1BA}"/>
+              </a:ext>
+            </a:extLst>
+          </p:cNvPr>
+          <p:cNvSpPr txBox="1"/>
+          <p:nvPr/>
+        </p:nvSpPr>
+        <p:spPr>
+          <a:xfrm>
+            <a:off x="1291472" y="1923069"/>
+            <a:ext cx="8201320" cy="2748894"/>
+          </a:xfrm>
+          <a:prstGeom prst="rect">
+            <a:avLst/>
+          </a:prstGeom>
+          <a:noFill/>
+        </p:spPr>
+        <p:txBody>
+          <a:bodyPr wrap="square" rtlCol="0">
+            <a:spAutoFit/>
+          </a:bodyPr>
+          <a:lstStyle/>
+          <a:p>
+            <a:pPr marL="285750" indent="-285750">
+              <a:buFont typeface="Arial" panose="020B0604020202020204" pitchFamily="34" charset="0"/>
+              <a:buChar char="•"/>
+            </a:pPr>
+            <a:r>
+              <a:rPr lang="vi-VN" dirty="0">
+                <a:solidFill>
+                  <a:schemeClr val="tx1"/>
+                </a:solidFill>
+                <a:latin typeface="Roboto Mono" panose="00000009000000000000" pitchFamily="49" charset="0"/>
+                <a:ea typeface="Roboto Mono" panose="00000009000000000000" pitchFamily="49" charset="0"/>
+              </a:rPr>
+              <a:t>Mảng (array) là một cấu trúc dữ liệu trong Java được sử dụng để lưu trữ một tập hợp các phần tử cùng kiểu dữ liệu. </a:t>
+            </a:r>
+          </a:p>
+          <a:p>
+            <a:pPr marL="285750" indent="-285750">
+              <a:lnSpc>
+                <a:spcPct val="150000"/>
+              </a:lnSpc>
+              <a:buFont typeface="Arial" panose="020B0604020202020204" pitchFamily="34" charset="0"/>
+              <a:buChar char="•"/>
+            </a:pPr>
+            <a:r>
+              <a:rPr lang="vi-VN" b="1" dirty="0">
+                <a:solidFill>
+                  <a:schemeClr val="tx1"/>
+                </a:solidFill>
+                <a:latin typeface="Roboto Mono" panose="00000009000000000000" pitchFamily="49" charset="0"/>
+                <a:ea typeface="Roboto Mono" panose="00000009000000000000" pitchFamily="49" charset="0"/>
+              </a:rPr>
+              <a:t>Đặc điểm và định nghĩa:</a:t>
+            </a:r>
+          </a:p>
+          <a:p>
+            <a:pPr lvl="7" algn="just">
+              <a:lnSpc>
+                <a:spcPct val="150000"/>
+              </a:lnSpc>
+            </a:pPr>
+            <a:r>
+              <a:rPr lang="vi-VN" dirty="0">
+                <a:solidFill>
+                  <a:schemeClr val="tx1"/>
+                </a:solidFill>
+                <a:latin typeface="Roboto Mono" panose="00000009000000000000" pitchFamily="49" charset="0"/>
+                <a:ea typeface="Roboto Mono" panose="00000009000000000000" pitchFamily="49" charset="0"/>
+              </a:rPr>
+              <a:t>	1. Mảng là một cấu trúc dữ liệu tĩnh, có kích thước cố định khi 	được khai báo và khởi tạo.</a:t>
+            </a:r>
+          </a:p>
+          <a:p>
+            <a:pPr lvl="7" algn="just">
+              <a:lnSpc>
+                <a:spcPct val="150000"/>
+              </a:lnSpc>
+            </a:pPr>
+            <a:r>
+              <a:rPr lang="vi-VN" dirty="0">
+                <a:solidFill>
+                  <a:schemeClr val="tx1"/>
+                </a:solidFill>
+                <a:latin typeface="Roboto Mono" panose="00000009000000000000" pitchFamily="49" charset="0"/>
+                <a:ea typeface="Roboto Mono" panose="00000009000000000000" pitchFamily="49" charset="0"/>
+              </a:rPr>
+              <a:t>	2. Mảng lưu trữ các phần tử cùng kiểu dữ liệu (nguyên thủy hoặc 	đối tượng) trong các ô nhớ liên tiếp.</a:t>
+            </a:r>
+          </a:p>
+          <a:p>
+            <a:pPr lvl="8" algn="just">
+              <a:lnSpc>
+                <a:spcPct val="150000"/>
+              </a:lnSpc>
+            </a:pPr>
+            <a:r>
+              <a:rPr lang="vi-VN" dirty="0">
+                <a:solidFill>
+                  <a:schemeClr val="tx1"/>
+                </a:solidFill>
+                <a:latin typeface="Roboto Mono" panose="00000009000000000000" pitchFamily="49" charset="0"/>
+                <a:ea typeface="Roboto Mono" panose="00000009000000000000" pitchFamily="49" charset="0"/>
+              </a:rPr>
+              <a:t>	3. Mảng được truy cập thông qua chỉ số (index) của phần tử, bắt 	đầu từ 0 đến (độ dài mảng - 1).	</a:t>
+            </a:r>
+          </a:p>
+        </p:txBody>
+      </p:sp>
+    </p:spTree>
+    <p:extLst>
+      <p:ext uri="{BB962C8B-B14F-4D97-AF65-F5344CB8AC3E}">
+        <p14:creationId xmlns:p14="http://schemas.microsoft.com/office/powerpoint/2010/main" val="22137384"/>
+      </p:ext>
+    </p:extLst>
+  </p:cSld>
+  <p:clrMapOvr>
+    <a:masterClrMapping/>
+  </p:clrMapOvr>
+</p:sld>
+</file>
+
+<file path=ppt/slides/slide11.xml><?xml version="1.0" encoding="utf-8"?>
+<p:sld xmlns:a="http://schemas.openxmlformats.org/drawingml/2006/main" xmlns:r="http://schemas.openxmlformats.org/officeDocument/2006/relationships" xmlns:p="http://schemas.openxmlformats.org/presentationml/2006/main">
+  <p:cSld>
+    <p:spTree>
+      <p:nvGrpSpPr>
+        <p:cNvPr id="1" name="Shape 416"/>
+        <p:cNvGrpSpPr/>
+        <p:nvPr/>
+      </p:nvGrpSpPr>
+      <p:grpSpPr>
+        <a:xfrm>
+          <a:off x="0" y="0"/>
+          <a:ext cx="0" cy="0"/>
+          <a:chOff x="0" y="0"/>
+          <a:chExt cx="0" cy="0"/>
+        </a:xfrm>
+      </p:grpSpPr>
+      <p:sp>
+        <p:nvSpPr>
+          <p:cNvPr id="2" name="TextBox 1">
+            <a:extLst>
+              <a:ext uri="{FF2B5EF4-FFF2-40B4-BE49-F238E27FC236}">
+                <a16:creationId xmlns:a16="http://schemas.microsoft.com/office/drawing/2014/main" id="{E3FCE185-0D50-6E3C-0A4B-9927E31CB7C7}"/>
+              </a:ext>
+            </a:extLst>
+          </p:cNvPr>
+          <p:cNvSpPr txBox="1"/>
+          <p:nvPr/>
+        </p:nvSpPr>
+        <p:spPr>
+          <a:xfrm>
+            <a:off x="5613662" y="2974156"/>
+            <a:ext cx="914400" cy="914400"/>
+          </a:xfrm>
+          <a:prstGeom prst="rect">
+            <a:avLst/>
+          </a:prstGeom>
+          <a:noFill/>
+        </p:spPr>
+        <p:txBody>
+          <a:bodyPr wrap="square" rtlCol="0">
+            <a:spAutoFit/>
+          </a:bodyPr>
+          <a:lstStyle/>
+          <a:p>
+            <a:endParaRPr lang="vi-VN" dirty="0"/>
+          </a:p>
+        </p:txBody>
+      </p:sp>
+      <p:sp>
+        <p:nvSpPr>
+          <p:cNvPr id="8" name="Google Shape;381;p22">
+            <a:extLst>
+              <a:ext uri="{FF2B5EF4-FFF2-40B4-BE49-F238E27FC236}">
+                <a16:creationId xmlns:a16="http://schemas.microsoft.com/office/drawing/2014/main" id="{08B6F9F3-8E39-98AE-43C3-A18A3A15A8EC}"/>
+              </a:ext>
+            </a:extLst>
+          </p:cNvPr>
+          <p:cNvSpPr txBox="1">
+            <a:spLocks noGrp="1"/>
+          </p:cNvSpPr>
+          <p:nvPr>
+            <p:ph type="subTitle" idx="1"/>
+          </p:nvPr>
+        </p:nvSpPr>
+        <p:spPr>
+          <a:xfrm>
+            <a:off x="1160400" y="1278893"/>
+            <a:ext cx="4935600" cy="798000"/>
+          </a:xfrm>
+          <a:prstGeom prst="rect">
+            <a:avLst/>
+          </a:prstGeom>
+        </p:spPr>
+        <p:txBody>
+          <a:bodyPr spcFirstLastPara="1" wrap="square" lIns="121900" tIns="121900" rIns="121900" bIns="121900" anchor="t" anchorCtr="0">
+            <a:noAutofit/>
+          </a:bodyPr>
+          <a:lstStyle/>
+          <a:p>
+            <a:pPr marL="0" lvl="0" indent="0" algn="l" rtl="0">
+              <a:spcBef>
+                <a:spcPts val="0"/>
+              </a:spcBef>
+              <a:spcAft>
+                <a:spcPts val="2100"/>
+              </a:spcAft>
+              <a:buNone/>
+            </a:pPr>
+            <a:r>
+              <a:rPr lang="vi-VN" dirty="0">
+                <a:solidFill>
+                  <a:schemeClr val="accent1"/>
+                </a:solidFill>
+              </a:rPr>
+              <a:t>3.Array</a:t>
+            </a:r>
+            <a:endParaRPr dirty="0">
+              <a:solidFill>
+                <a:schemeClr val="accent1"/>
+              </a:solidFill>
+            </a:endParaRPr>
+          </a:p>
+        </p:txBody>
+      </p:sp>
+      <p:sp>
+        <p:nvSpPr>
+          <p:cNvPr id="9" name="TextBox 8">
+            <a:extLst>
+              <a:ext uri="{FF2B5EF4-FFF2-40B4-BE49-F238E27FC236}">
+                <a16:creationId xmlns:a16="http://schemas.microsoft.com/office/drawing/2014/main" id="{56855226-A937-E460-9009-9131514EE1BA}"/>
+              </a:ext>
+            </a:extLst>
+          </p:cNvPr>
+          <p:cNvSpPr txBox="1"/>
+          <p:nvPr/>
+        </p:nvSpPr>
+        <p:spPr>
+          <a:xfrm>
+            <a:off x="1640262" y="1767006"/>
+            <a:ext cx="9049733" cy="3108543"/>
+          </a:xfrm>
+          <a:prstGeom prst="rect">
+            <a:avLst/>
+          </a:prstGeom>
+          <a:noFill/>
+        </p:spPr>
+        <p:txBody>
+          <a:bodyPr wrap="square" rtlCol="0">
+            <a:spAutoFit/>
+          </a:bodyPr>
+          <a:lstStyle/>
+          <a:p>
+            <a:pPr marL="285750" indent="-285750">
+              <a:buFont typeface="Arial" panose="020B0604020202020204" pitchFamily="34" charset="0"/>
+              <a:buChar char="•"/>
+            </a:pPr>
+            <a:r>
+              <a:rPr lang="vi-VN" dirty="0">
+                <a:solidFill>
+                  <a:schemeClr val="tx1"/>
+                </a:solidFill>
+                <a:latin typeface="Roboto Mono" panose="00000009000000000000" pitchFamily="49" charset="0"/>
+                <a:ea typeface="Roboto Mono" panose="00000009000000000000" pitchFamily="49" charset="0"/>
+              </a:rPr>
+              <a:t>Tính chất của mảng:</a:t>
+            </a:r>
+          </a:p>
+          <a:p>
+            <a:pPr marL="285750" indent="-285750">
+              <a:buFont typeface="Arial" panose="020B0604020202020204" pitchFamily="34" charset="0"/>
+              <a:buChar char="•"/>
+            </a:pPr>
+            <a:endParaRPr lang="vi-VN" dirty="0">
+              <a:solidFill>
+                <a:schemeClr val="tx1"/>
+              </a:solidFill>
+              <a:latin typeface="Roboto Mono" panose="00000009000000000000" pitchFamily="49" charset="0"/>
+              <a:ea typeface="Roboto Mono" panose="00000009000000000000" pitchFamily="49" charset="0"/>
+            </a:endParaRPr>
+          </a:p>
+          <a:p>
+            <a:pPr marL="342900" indent="-342900">
+              <a:buFont typeface="+mj-lt"/>
+              <a:buAutoNum type="arabicPeriod"/>
+            </a:pPr>
+            <a:r>
+              <a:rPr lang="vi-VN" dirty="0">
+                <a:solidFill>
+                  <a:schemeClr val="tx1"/>
+                </a:solidFill>
+                <a:latin typeface="Roboto Mono" panose="00000009000000000000" pitchFamily="49" charset="0"/>
+                <a:ea typeface="Roboto Mono" panose="00000009000000000000" pitchFamily="49" charset="0"/>
+              </a:rPr>
+              <a:t>Mảng có độ dài cố định: Khi khai báo mảng, kích thước của nó được xác định và không thay đổi trong quá trình thực thi chương trình.</a:t>
+            </a:r>
+          </a:p>
+          <a:p>
+            <a:pPr marL="342900" indent="-342900">
+              <a:buFont typeface="+mj-lt"/>
+              <a:buAutoNum type="arabicPeriod"/>
+            </a:pPr>
+            <a:r>
+              <a:rPr lang="vi-VN" dirty="0">
+                <a:solidFill>
+                  <a:schemeClr val="tx1"/>
+                </a:solidFill>
+                <a:latin typeface="Roboto Mono" panose="00000009000000000000" pitchFamily="49" charset="0"/>
+                <a:ea typeface="Roboto Mono" panose="00000009000000000000" pitchFamily="49" charset="0"/>
+              </a:rPr>
+              <a:t>Mảng lưu trữ các phần tử cùng kiểu dữ liệu: Tất cả các phần tử trong mảng phải có cùng kiểu dữ liệu, có thể là kiểu nguyên thủy (int, double, boolean, vv.) hoặc kiểu đối tượng (String, Object, vv.).</a:t>
+            </a:r>
+          </a:p>
+          <a:p>
+            <a:pPr marL="342900" indent="-342900">
+              <a:buFont typeface="+mj-lt"/>
+              <a:buAutoNum type="arabicPeriod"/>
+            </a:pPr>
+            <a:r>
+              <a:rPr lang="vi-VN" dirty="0">
+                <a:solidFill>
+                  <a:schemeClr val="tx1"/>
+                </a:solidFill>
+                <a:latin typeface="Roboto Mono" panose="00000009000000000000" pitchFamily="49" charset="0"/>
+                <a:ea typeface="Roboto Mono" panose="00000009000000000000" pitchFamily="49" charset="0"/>
+              </a:rPr>
+              <a:t>Truy cập phần tử theo chỉ số: Mỗi phần tử trong mảng có một chỉ số duy nhất để truy cập đến giá trị của nó. Chỉ số bắt đầu từ 0 và kết thúc ở (độ dài mảng - 1).</a:t>
+            </a:r>
+          </a:p>
+          <a:p>
+            <a:pPr marL="342900" indent="-342900">
+              <a:buFont typeface="+mj-lt"/>
+              <a:buAutoNum type="arabicPeriod"/>
+            </a:pPr>
+            <a:r>
+              <a:rPr lang="vi-VN" dirty="0">
+                <a:solidFill>
+                  <a:schemeClr val="tx1"/>
+                </a:solidFill>
+                <a:latin typeface="Roboto Mono" panose="00000009000000000000" pitchFamily="49" charset="0"/>
+                <a:ea typeface="Roboto Mono" panose="00000009000000000000" pitchFamily="49" charset="0"/>
+              </a:rPr>
+              <a:t>Mảng có khả năng lưu trữ nhiều giá trị: Mảng cho phép lưu trữ nhiều phần tử cùng kiểu dữ liệu, giúp tổ chức và quản lý dữ liệu một cách dễ dàng.</a:t>
+            </a:r>
+          </a:p>
+          <a:p>
+            <a:pPr marL="342900" indent="-342900">
+              <a:buFont typeface="+mj-lt"/>
+              <a:buAutoNum type="arabicPeriod"/>
+            </a:pPr>
+            <a:r>
+              <a:rPr lang="vi-VN" dirty="0">
+                <a:solidFill>
+                  <a:schemeClr val="tx1"/>
+                </a:solidFill>
+                <a:latin typeface="Roboto Mono" panose="00000009000000000000" pitchFamily="49" charset="0"/>
+                <a:ea typeface="Roboto Mono" panose="00000009000000000000" pitchFamily="49" charset="0"/>
+              </a:rPr>
+              <a:t>Mảng có thể thay đổi giá trị của phần tử: Ta có thể gán giá trị mới cho một phần tử trong mảng bằng cách truy cập vào phần tử đó và gán giá trị mới cho nó.</a:t>
+            </a:r>
+          </a:p>
+        </p:txBody>
+      </p:sp>
+    </p:spTree>
+    <p:extLst>
+      <p:ext uri="{BB962C8B-B14F-4D97-AF65-F5344CB8AC3E}">
+        <p14:creationId xmlns:p14="http://schemas.microsoft.com/office/powerpoint/2010/main" val="207592242"/>
+      </p:ext>
+    </p:extLst>
+  </p:cSld>
+  <p:clrMapOvr>
+    <a:masterClrMapping/>
+  </p:clrMapOvr>
+</p:sld>
+</file>
+
+<file path=ppt/slides/slide12.xml><?xml version="1.0" encoding="utf-8"?>
+<p:sld xmlns:a="http://schemas.openxmlformats.org/drawingml/2006/main" xmlns:r="http://schemas.openxmlformats.org/officeDocument/2006/relationships" xmlns:p="http://schemas.openxmlformats.org/presentationml/2006/main">
+  <p:cSld>
+    <p:spTree>
+      <p:nvGrpSpPr>
+        <p:cNvPr id="1" name="Shape 416"/>
+        <p:cNvGrpSpPr/>
+        <p:nvPr/>
+      </p:nvGrpSpPr>
+      <p:grpSpPr>
+        <a:xfrm>
+          <a:off x="0" y="0"/>
+          <a:ext cx="0" cy="0"/>
+          <a:chOff x="0" y="0"/>
+          <a:chExt cx="0" cy="0"/>
+        </a:xfrm>
+      </p:grpSpPr>
+      <p:sp>
+        <p:nvSpPr>
+          <p:cNvPr id="2" name="TextBox 1">
+            <a:extLst>
+              <a:ext uri="{FF2B5EF4-FFF2-40B4-BE49-F238E27FC236}">
+                <a16:creationId xmlns:a16="http://schemas.microsoft.com/office/drawing/2014/main" id="{E3FCE185-0D50-6E3C-0A4B-9927E31CB7C7}"/>
+              </a:ext>
+            </a:extLst>
+          </p:cNvPr>
+          <p:cNvSpPr txBox="1"/>
+          <p:nvPr/>
+        </p:nvSpPr>
+        <p:spPr>
+          <a:xfrm>
+            <a:off x="5613662" y="2974156"/>
+            <a:ext cx="914400" cy="914400"/>
+          </a:xfrm>
+          <a:prstGeom prst="rect">
+            <a:avLst/>
+          </a:prstGeom>
+          <a:noFill/>
+        </p:spPr>
+        <p:txBody>
+          <a:bodyPr wrap="square" rtlCol="0">
+            <a:spAutoFit/>
+          </a:bodyPr>
+          <a:lstStyle/>
+          <a:p>
+            <a:endParaRPr lang="vi-VN" dirty="0"/>
+          </a:p>
+        </p:txBody>
+      </p:sp>
+      <p:sp>
+        <p:nvSpPr>
+          <p:cNvPr id="8" name="Google Shape;381;p22">
+            <a:extLst>
+              <a:ext uri="{FF2B5EF4-FFF2-40B4-BE49-F238E27FC236}">
+                <a16:creationId xmlns:a16="http://schemas.microsoft.com/office/drawing/2014/main" id="{08B6F9F3-8E39-98AE-43C3-A18A3A15A8EC}"/>
+              </a:ext>
+            </a:extLst>
+          </p:cNvPr>
+          <p:cNvSpPr txBox="1">
+            <a:spLocks noGrp="1"/>
+          </p:cNvSpPr>
+          <p:nvPr>
+            <p:ph type="subTitle" idx="1"/>
+          </p:nvPr>
+        </p:nvSpPr>
+        <p:spPr>
+          <a:xfrm>
+            <a:off x="1160400" y="1278893"/>
+            <a:ext cx="4935600" cy="798000"/>
+          </a:xfrm>
+          <a:prstGeom prst="rect">
+            <a:avLst/>
+          </a:prstGeom>
+        </p:spPr>
+        <p:txBody>
+          <a:bodyPr spcFirstLastPara="1" wrap="square" lIns="121900" tIns="121900" rIns="121900" bIns="121900" anchor="t" anchorCtr="0">
+            <a:noAutofit/>
+          </a:bodyPr>
+          <a:lstStyle/>
+          <a:p>
+            <a:pPr marL="0" lvl="0" indent="0" algn="l" rtl="0">
+              <a:spcBef>
+                <a:spcPts val="0"/>
+              </a:spcBef>
+              <a:spcAft>
+                <a:spcPts val="2100"/>
+              </a:spcAft>
+              <a:buNone/>
+            </a:pPr>
+            <a:r>
+              <a:rPr lang="vi-VN" dirty="0">
+                <a:solidFill>
+                  <a:schemeClr val="accent1"/>
+                </a:solidFill>
+              </a:rPr>
+              <a:t>3.Array</a:t>
+            </a:r>
+            <a:endParaRPr dirty="0">
+              <a:solidFill>
+                <a:schemeClr val="accent1"/>
+              </a:solidFill>
+            </a:endParaRPr>
+          </a:p>
+        </p:txBody>
+      </p:sp>
+      <p:sp>
+        <p:nvSpPr>
+          <p:cNvPr id="9" name="TextBox 8">
+            <a:extLst>
+              <a:ext uri="{FF2B5EF4-FFF2-40B4-BE49-F238E27FC236}">
+                <a16:creationId xmlns:a16="http://schemas.microsoft.com/office/drawing/2014/main" id="{56855226-A937-E460-9009-9131514EE1BA}"/>
+              </a:ext>
+            </a:extLst>
+          </p:cNvPr>
+          <p:cNvSpPr txBox="1"/>
+          <p:nvPr/>
+        </p:nvSpPr>
+        <p:spPr>
+          <a:xfrm>
+            <a:off x="1545993" y="1885283"/>
+            <a:ext cx="8521833" cy="3539430"/>
+          </a:xfrm>
+          <a:prstGeom prst="rect">
+            <a:avLst/>
+          </a:prstGeom>
+          <a:noFill/>
+        </p:spPr>
+        <p:txBody>
+          <a:bodyPr wrap="square" rtlCol="0">
+            <a:spAutoFit/>
+          </a:bodyPr>
+          <a:lstStyle/>
+          <a:p>
+            <a:pPr marL="285750" indent="-285750">
+              <a:buFont typeface="Arial" panose="020B0604020202020204" pitchFamily="34" charset="0"/>
+              <a:buChar char="•"/>
+            </a:pPr>
+            <a:r>
+              <a:rPr lang="vi-VN" dirty="0">
+                <a:solidFill>
+                  <a:schemeClr val="tx1"/>
+                </a:solidFill>
+                <a:latin typeface="Roboto Mono" panose="00000009000000000000" pitchFamily="49" charset="0"/>
+                <a:ea typeface="Roboto Mono" panose="00000009000000000000" pitchFamily="49" charset="0"/>
+              </a:rPr>
+              <a:t>Khai báo mảng: Để khai báo một mảng, ta sử dụng cú pháp sau:</a:t>
+            </a:r>
+          </a:p>
+          <a:p>
+            <a:pPr marL="285750" lvl="3" indent="-285750">
+              <a:buFont typeface="Arial" panose="020B0604020202020204" pitchFamily="34" charset="0"/>
+              <a:buChar char="•"/>
+            </a:pPr>
+            <a:endParaRPr lang="vi-VN" dirty="0">
+              <a:solidFill>
+                <a:schemeClr val="tx1"/>
+              </a:solidFill>
+              <a:latin typeface="Roboto Mono" panose="00000009000000000000" pitchFamily="49" charset="0"/>
+              <a:ea typeface="Roboto Mono" panose="00000009000000000000" pitchFamily="49" charset="0"/>
+            </a:endParaRPr>
+          </a:p>
+          <a:p>
+            <a:pPr lvl="3"/>
+            <a:r>
+              <a:rPr lang="vi-VN" b="0" i="0" dirty="0">
+                <a:solidFill>
+                  <a:srgbClr val="FFFFFF"/>
+                </a:solidFill>
+                <a:effectLst/>
+                <a:latin typeface="Söhne Mono"/>
+              </a:rPr>
+              <a:t>	</a:t>
+            </a:r>
+            <a:r>
+              <a:rPr lang="vi-VN" b="1" i="0" dirty="0">
+                <a:solidFill>
+                  <a:srgbClr val="FFFFFF"/>
+                </a:solidFill>
+                <a:effectLst/>
+                <a:latin typeface="Söhne Mono"/>
+              </a:rPr>
+              <a:t>&lt;kiểu dữ liệu&gt;[] tên_mảng;</a:t>
+            </a:r>
+          </a:p>
+          <a:p>
+            <a:pPr lvl="3"/>
+            <a:r>
+              <a:rPr lang="vi-VN" b="1" dirty="0">
+                <a:solidFill>
+                  <a:srgbClr val="FFFFFF"/>
+                </a:solidFill>
+                <a:latin typeface="Söhne Mono"/>
+                <a:ea typeface="Roboto Mono" panose="00000009000000000000" pitchFamily="49" charset="0"/>
+              </a:rPr>
+              <a:t>Ví dụ:</a:t>
+            </a:r>
+          </a:p>
+          <a:p>
+            <a:pPr lvl="3"/>
+            <a:r>
+              <a:rPr lang="vi-VN" b="1" i="0" dirty="0">
+                <a:solidFill>
+                  <a:schemeClr val="tx1"/>
+                </a:solidFill>
+                <a:effectLst/>
+                <a:latin typeface="Roboto Mono" panose="00000009000000000000" pitchFamily="49" charset="0"/>
+                <a:ea typeface="Roboto Mono" panose="00000009000000000000" pitchFamily="49" charset="0"/>
+              </a:rPr>
+              <a:t>	int[] numbers;</a:t>
+            </a:r>
+          </a:p>
+          <a:p>
+            <a:pPr lvl="3"/>
+            <a:r>
+              <a:rPr lang="vi-VN" b="1" dirty="0">
+                <a:solidFill>
+                  <a:schemeClr val="tx1"/>
+                </a:solidFill>
+                <a:latin typeface="Roboto Mono" panose="00000009000000000000" pitchFamily="49" charset="0"/>
+                <a:ea typeface="Roboto Mono" panose="00000009000000000000" pitchFamily="49" charset="0"/>
+              </a:rPr>
+              <a:t>Khởi tạo mảng:</a:t>
+            </a:r>
+          </a:p>
+          <a:p>
+            <a:pPr lvl="3"/>
+            <a:r>
+              <a:rPr lang="vi-VN" b="1" i="0" dirty="0">
+                <a:solidFill>
+                  <a:schemeClr val="tx1"/>
+                </a:solidFill>
+                <a:effectLst/>
+                <a:latin typeface="Roboto Mono" panose="00000009000000000000" pitchFamily="49" charset="0"/>
+                <a:ea typeface="Roboto Mono" panose="00000009000000000000" pitchFamily="49" charset="0"/>
+              </a:rPr>
+              <a:t>	numbers = new int[5];</a:t>
+            </a:r>
+          </a:p>
+          <a:p>
+            <a:pPr lvl="3"/>
+            <a:r>
+              <a:rPr lang="vi-VN" i="0" dirty="0">
+                <a:solidFill>
+                  <a:schemeClr val="tx1"/>
+                </a:solidFill>
+                <a:effectLst/>
+                <a:latin typeface="Roboto Mono" panose="00000009000000000000" pitchFamily="49" charset="0"/>
+                <a:ea typeface="Roboto Mono" panose="00000009000000000000" pitchFamily="49" charset="0"/>
+              </a:rPr>
+              <a:t>*Mảng này sẽ chứa 5 chữ số</a:t>
+            </a:r>
+          </a:p>
+          <a:p>
+            <a:pPr lvl="3"/>
+            <a:r>
+              <a:rPr lang="vi-VN" b="1" dirty="0">
+                <a:solidFill>
+                  <a:schemeClr val="tx1"/>
+                </a:solidFill>
+                <a:latin typeface="Roboto Mono" panose="00000009000000000000" pitchFamily="49" charset="0"/>
+                <a:ea typeface="Roboto Mono" panose="00000009000000000000" pitchFamily="49" charset="0"/>
+              </a:rPr>
+              <a:t>Khởi tạo mảng với các giá trị ban đầu:</a:t>
+            </a:r>
+          </a:p>
+          <a:p>
+            <a:pPr lvl="3"/>
+            <a:r>
+              <a:rPr lang="en-US" b="1" dirty="0">
+                <a:solidFill>
+                  <a:schemeClr val="tx1"/>
+                </a:solidFill>
+                <a:latin typeface="Roboto Mono" panose="00000009000000000000" pitchFamily="49" charset="0"/>
+                <a:ea typeface="Roboto Mono" panose="00000009000000000000" pitchFamily="49" charset="0"/>
+              </a:rPr>
+              <a:t>	int[] numbers = {1, 2, 3, 4, 5};</a:t>
+            </a:r>
+          </a:p>
+          <a:p>
+            <a:pPr lvl="3"/>
+            <a:r>
+              <a:rPr lang="en-US" b="1" dirty="0" err="1">
+                <a:solidFill>
+                  <a:schemeClr val="tx1"/>
+                </a:solidFill>
+                <a:latin typeface="Roboto Mono" panose="00000009000000000000" pitchFamily="49" charset="0"/>
+                <a:ea typeface="Roboto Mono" panose="00000009000000000000" pitchFamily="49" charset="0"/>
+              </a:rPr>
+              <a:t>Truy</a:t>
+            </a:r>
+            <a:r>
+              <a:rPr lang="en-US" b="1" dirty="0">
+                <a:solidFill>
+                  <a:schemeClr val="tx1"/>
+                </a:solidFill>
+                <a:latin typeface="Roboto Mono" panose="00000009000000000000" pitchFamily="49" charset="0"/>
+                <a:ea typeface="Roboto Mono" panose="00000009000000000000" pitchFamily="49" charset="0"/>
+              </a:rPr>
+              <a:t> </a:t>
+            </a:r>
+            <a:r>
+              <a:rPr lang="en-US" b="1" dirty="0" err="1">
+                <a:solidFill>
+                  <a:schemeClr val="tx1"/>
+                </a:solidFill>
+                <a:latin typeface="Roboto Mono" panose="00000009000000000000" pitchFamily="49" charset="0"/>
+                <a:ea typeface="Roboto Mono" panose="00000009000000000000" pitchFamily="49" charset="0"/>
+              </a:rPr>
+              <a:t>cập</a:t>
+            </a:r>
+            <a:r>
+              <a:rPr lang="en-US" b="1" dirty="0">
+                <a:solidFill>
+                  <a:schemeClr val="tx1"/>
+                </a:solidFill>
+                <a:latin typeface="Roboto Mono" panose="00000009000000000000" pitchFamily="49" charset="0"/>
+                <a:ea typeface="Roboto Mono" panose="00000009000000000000" pitchFamily="49" charset="0"/>
+              </a:rPr>
+              <a:t> </a:t>
+            </a:r>
+            <a:r>
+              <a:rPr lang="en-US" b="1" dirty="0" err="1">
+                <a:solidFill>
+                  <a:schemeClr val="tx1"/>
+                </a:solidFill>
+                <a:latin typeface="Roboto Mono" panose="00000009000000000000" pitchFamily="49" charset="0"/>
+                <a:ea typeface="Roboto Mono" panose="00000009000000000000" pitchFamily="49" charset="0"/>
+              </a:rPr>
+              <a:t>phần</a:t>
+            </a:r>
+            <a:r>
+              <a:rPr lang="en-US" b="1" dirty="0">
+                <a:solidFill>
+                  <a:schemeClr val="tx1"/>
+                </a:solidFill>
+                <a:latin typeface="Roboto Mono" panose="00000009000000000000" pitchFamily="49" charset="0"/>
+                <a:ea typeface="Roboto Mono" panose="00000009000000000000" pitchFamily="49" charset="0"/>
+              </a:rPr>
+              <a:t> </a:t>
+            </a:r>
+            <a:r>
+              <a:rPr lang="en-US" b="1" dirty="0" err="1">
+                <a:solidFill>
+                  <a:schemeClr val="tx1"/>
+                </a:solidFill>
+                <a:latin typeface="Roboto Mono" panose="00000009000000000000" pitchFamily="49" charset="0"/>
+                <a:ea typeface="Roboto Mono" panose="00000009000000000000" pitchFamily="49" charset="0"/>
+              </a:rPr>
+              <a:t>tử</a:t>
+            </a:r>
+            <a:r>
+              <a:rPr lang="en-US" b="1" dirty="0">
+                <a:solidFill>
+                  <a:schemeClr val="tx1"/>
+                </a:solidFill>
+                <a:latin typeface="Roboto Mono" panose="00000009000000000000" pitchFamily="49" charset="0"/>
+                <a:ea typeface="Roboto Mono" panose="00000009000000000000" pitchFamily="49" charset="0"/>
+              </a:rPr>
+              <a:t> </a:t>
+            </a:r>
+            <a:r>
+              <a:rPr lang="en-US" b="1" dirty="0" err="1">
+                <a:solidFill>
+                  <a:schemeClr val="tx1"/>
+                </a:solidFill>
+                <a:latin typeface="Roboto Mono" panose="00000009000000000000" pitchFamily="49" charset="0"/>
+                <a:ea typeface="Roboto Mono" panose="00000009000000000000" pitchFamily="49" charset="0"/>
+              </a:rPr>
+              <a:t>trong</a:t>
+            </a:r>
+            <a:r>
+              <a:rPr lang="en-US" b="1" dirty="0">
+                <a:solidFill>
+                  <a:schemeClr val="tx1"/>
+                </a:solidFill>
+                <a:latin typeface="Roboto Mono" panose="00000009000000000000" pitchFamily="49" charset="0"/>
+                <a:ea typeface="Roboto Mono" panose="00000009000000000000" pitchFamily="49" charset="0"/>
+              </a:rPr>
+              <a:t> </a:t>
+            </a:r>
+            <a:r>
+              <a:rPr lang="en-US" b="1" dirty="0" err="1">
+                <a:solidFill>
+                  <a:schemeClr val="tx1"/>
+                </a:solidFill>
+                <a:latin typeface="Roboto Mono" panose="00000009000000000000" pitchFamily="49" charset="0"/>
+                <a:ea typeface="Roboto Mono" panose="00000009000000000000" pitchFamily="49" charset="0"/>
+              </a:rPr>
+              <a:t>mảng</a:t>
+            </a:r>
+            <a:r>
+              <a:rPr lang="en-US" b="1" dirty="0">
+                <a:solidFill>
+                  <a:schemeClr val="tx1"/>
+                </a:solidFill>
+                <a:latin typeface="Roboto Mono" panose="00000009000000000000" pitchFamily="49" charset="0"/>
+                <a:ea typeface="Roboto Mono" panose="00000009000000000000" pitchFamily="49" charset="0"/>
+              </a:rPr>
+              <a:t>:</a:t>
+            </a:r>
+          </a:p>
+          <a:p>
+            <a:pPr lvl="4"/>
+            <a:r>
+              <a:rPr lang="vi-VN" b="1" dirty="0">
+                <a:solidFill>
+                  <a:schemeClr val="tx1"/>
+                </a:solidFill>
+                <a:latin typeface="Roboto Mono" panose="00000009000000000000" pitchFamily="49" charset="0"/>
+                <a:ea typeface="Roboto Mono" panose="00000009000000000000" pitchFamily="49" charset="0"/>
+              </a:rPr>
+              <a:t>	int firstNumber = numbers[0];  </a:t>
+            </a:r>
+          </a:p>
+          <a:p>
+            <a:pPr lvl="4"/>
+            <a:r>
+              <a:rPr lang="vi-VN" b="1" dirty="0">
+                <a:solidFill>
+                  <a:schemeClr val="tx1"/>
+                </a:solidFill>
+                <a:latin typeface="Roboto Mono" panose="00000009000000000000" pitchFamily="49" charset="0"/>
+                <a:ea typeface="Roboto Mono" panose="00000009000000000000" pitchFamily="49" charset="0"/>
+              </a:rPr>
+              <a:t>	*</a:t>
+            </a:r>
+            <a:r>
+              <a:rPr lang="vi-VN" dirty="0">
+                <a:solidFill>
+                  <a:schemeClr val="tx1"/>
+                </a:solidFill>
+                <a:latin typeface="Roboto Mono" panose="00000009000000000000" pitchFamily="49" charset="0"/>
+                <a:ea typeface="Roboto Mono" panose="00000009000000000000" pitchFamily="49" charset="0"/>
+              </a:rPr>
+              <a:t>truy cập phần từ đầu tiên trong mảng</a:t>
+            </a:r>
+          </a:p>
+          <a:p>
+            <a:pPr lvl="4"/>
+            <a:r>
+              <a:rPr lang="vi-VN" b="1" dirty="0">
+                <a:solidFill>
+                  <a:schemeClr val="tx1"/>
+                </a:solidFill>
+                <a:latin typeface="Roboto Mono" panose="00000009000000000000" pitchFamily="49" charset="0"/>
+                <a:ea typeface="Roboto Mono" panose="00000009000000000000" pitchFamily="49" charset="0"/>
+              </a:rPr>
+              <a:t>	numbers[2] = 10;</a:t>
+            </a:r>
+          </a:p>
+          <a:p>
+            <a:pPr lvl="4"/>
+            <a:r>
+              <a:rPr lang="vi-VN" b="1" dirty="0">
+                <a:solidFill>
+                  <a:schemeClr val="tx1"/>
+                </a:solidFill>
+                <a:latin typeface="Roboto Mono" panose="00000009000000000000" pitchFamily="49" charset="0"/>
+                <a:ea typeface="Roboto Mono" panose="00000009000000000000" pitchFamily="49" charset="0"/>
+              </a:rPr>
+              <a:t>	*</a:t>
+            </a:r>
+            <a:r>
+              <a:rPr lang="vi-VN" dirty="0">
+                <a:solidFill>
+                  <a:schemeClr val="tx1"/>
+                </a:solidFill>
+                <a:latin typeface="Roboto Mono" panose="00000009000000000000" pitchFamily="49" charset="0"/>
+                <a:ea typeface="Roboto Mono" panose="00000009000000000000" pitchFamily="49" charset="0"/>
+              </a:rPr>
+              <a:t>gán giá trị tại index = 2 với giá trị là 10 </a:t>
+            </a:r>
+          </a:p>
+          <a:p>
+            <a:pPr lvl="3"/>
+            <a:endParaRPr lang="vi-VN" dirty="0">
+              <a:solidFill>
+                <a:schemeClr val="tx1"/>
+              </a:solidFill>
+              <a:latin typeface="Roboto Mono" panose="00000009000000000000" pitchFamily="49" charset="0"/>
+              <a:ea typeface="Roboto Mono" panose="00000009000000000000" pitchFamily="49" charset="0"/>
+            </a:endParaRPr>
+          </a:p>
+        </p:txBody>
+      </p:sp>
+    </p:spTree>
+    <p:extLst>
+      <p:ext uri="{BB962C8B-B14F-4D97-AF65-F5344CB8AC3E}">
+        <p14:creationId xmlns:p14="http://schemas.microsoft.com/office/powerpoint/2010/main" val="3663206709"/>
+      </p:ext>
+    </p:extLst>
+  </p:cSld>
+  <p:clrMapOvr>
+    <a:masterClrMapping/>
+  </p:clrMapOvr>
+</p:sld>
+</file>
+
 <file path=ppt/slides/slide2.xml><?xml version="1.0" encoding="utf-8"?>
 <p:sld xmlns:a="http://schemas.openxmlformats.org/drawingml/2006/main" xmlns:r="http://schemas.openxmlformats.org/officeDocument/2006/relationships" xmlns:p="http://schemas.openxmlformats.org/presentationml/2006/main">
   <p:cSld>
@@ -11963,88 +13940,6 @@
           <a:chExt cx="0" cy="0"/>
         </a:xfrm>
       </p:grpSpPr>
-      <p:sp>
-        <p:nvSpPr>
-          <p:cNvPr id="410" name="Google Shape;410;p25"/>
-          <p:cNvSpPr txBox="1">
-            <a:spLocks noGrp="1"/>
-          </p:cNvSpPr>
-          <p:nvPr>
-            <p:ph type="body" idx="1"/>
-          </p:nvPr>
-        </p:nvSpPr>
-        <p:spPr>
-          <a:xfrm>
-            <a:off x="1653300" y="4052850"/>
-            <a:ext cx="8894400" cy="763500"/>
-          </a:xfrm>
-          <a:prstGeom prst="rect">
-            <a:avLst/>
-          </a:prstGeom>
-        </p:spPr>
-        <p:txBody>
-          <a:bodyPr spcFirstLastPara="1" wrap="square" lIns="121900" tIns="121900" rIns="121900" bIns="121900" anchor="t" anchorCtr="0">
-            <a:noAutofit/>
-          </a:bodyPr>
-          <a:lstStyle/>
-          <a:p>
-            <a:pPr marL="0" lvl="0" indent="0" algn="l" rtl="0">
-              <a:spcBef>
-                <a:spcPts val="0"/>
-              </a:spcBef>
-              <a:spcAft>
-                <a:spcPts val="2100"/>
-              </a:spcAft>
-              <a:buNone/>
-            </a:pPr>
-            <a:r>
-              <a:rPr lang="en" sz="2100" dirty="0">
-                <a:solidFill>
-                  <a:schemeClr val="accent1"/>
-                </a:solidFill>
-              </a:rPr>
-              <a:t>&lt;p&gt;</a:t>
-            </a:r>
-            <a:r>
-              <a:rPr lang="en" sz="2100" dirty="0">
-                <a:solidFill>
-                  <a:schemeClr val="accent3"/>
-                </a:solidFill>
-              </a:rPr>
-              <a:t> </a:t>
-            </a:r>
-            <a:r>
-              <a:rPr lang="en" dirty="0"/>
-              <a:t>Add a brief </a:t>
-            </a:r>
-            <a:r>
-              <a:rPr lang="en" dirty="0">
-                <a:solidFill>
-                  <a:schemeClr val="accent1"/>
-                </a:solidFill>
-              </a:rPr>
-              <a:t>introduction </a:t>
-            </a:r>
-            <a:r>
-              <a:rPr lang="en" dirty="0"/>
-              <a:t>of your section here: Let’s dive in and get to know some interesting facts about animals! </a:t>
-            </a:r>
-            <a:r>
-              <a:rPr lang="en" sz="2100" dirty="0">
-                <a:solidFill>
-                  <a:schemeClr val="accent1"/>
-                </a:solidFill>
-              </a:rPr>
-              <a:t>&lt;/p&gt;</a:t>
-            </a:r>
-            <a:endParaRPr dirty="0">
-              <a:solidFill>
-                <a:schemeClr val="accent1"/>
-              </a:solidFill>
-            </a:endParaRPr>
-          </a:p>
-        </p:txBody>
-      </p:sp>
       <p:sp>
         <p:nvSpPr>
           <p:cNvPr id="411" name="Google Shape;411;p25"/>
@@ -12080,16 +13975,15 @@
               <a:buNone/>
             </a:pPr>
             <a:r>
-              <a:rPr lang="en" sz="5800" dirty="0"/>
-              <a:t>WE WILL TALK ABOUT THIS </a:t>
+              <a:rPr lang="vi-VN" sz="5800" dirty="0"/>
+              <a:t>Variables, Data Type,</a:t>
             </a:r>
+            <a:br>
+              <a:rPr lang="vi-VN" sz="5800" dirty="0"/>
+            </a:br>
             <a:r>
-              <a:rPr lang="en" sz="6800" dirty="0">
-                <a:solidFill>
-                  <a:schemeClr val="accent1"/>
-                </a:solidFill>
-              </a:rPr>
-              <a:t>FIRST</a:t>
+              <a:rPr lang="vi-VN" sz="5800" dirty="0"/>
+              <a:t>Array.</a:t>
             </a:r>
             <a:endParaRPr sz="5800" dirty="0"/>
           </a:p>
@@ -12134,8 +14028,8 @@
           </a:p>
         </p:txBody>
       </p:sp>
-      <mc:AlternateContent xmlns:mc="http://schemas.openxmlformats.org/markup-compatibility/2006">
-        <mc:Choice xmlns:p14="http://schemas.microsoft.com/office/powerpoint/2010/main" Requires="p14">
+      <mc:AlternateContent xmlns:mc="http://schemas.openxmlformats.org/markup-compatibility/2006" xmlns:p14="http://schemas.microsoft.com/office/powerpoint/2010/main">
+        <mc:Choice Requires="p14">
           <p:contentPart p14:bwMode="auto" r:id="rId3">
             <p14:nvContentPartPr>
               <p14:cNvPr id="2" name="Viết tay 1">
@@ -12154,7 +14048,7 @@
             </p14:xfrm>
           </p:contentPart>
         </mc:Choice>
-        <mc:Fallback>
+        <mc:Fallback xmlns="">
           <p:pic>
             <p:nvPicPr>
               <p:cNvPr id="2" name="Viết tay 1">
@@ -12210,7 +14104,2534 @@
           <a:chExt cx="0" cy="0"/>
         </a:xfrm>
       </p:grpSpPr>
+      <p:sp>
+        <p:nvSpPr>
+          <p:cNvPr id="2" name="TextBox 1">
+            <a:extLst>
+              <a:ext uri="{FF2B5EF4-FFF2-40B4-BE49-F238E27FC236}">
+                <a16:creationId xmlns:a16="http://schemas.microsoft.com/office/drawing/2014/main" id="{E3FCE185-0D50-6E3C-0A4B-9927E31CB7C7}"/>
+              </a:ext>
+            </a:extLst>
+          </p:cNvPr>
+          <p:cNvSpPr txBox="1"/>
+          <p:nvPr/>
+        </p:nvSpPr>
+        <p:spPr>
+          <a:xfrm>
+            <a:off x="5613662" y="2974156"/>
+            <a:ext cx="914400" cy="914400"/>
+          </a:xfrm>
+          <a:prstGeom prst="rect">
+            <a:avLst/>
+          </a:prstGeom>
+          <a:noFill/>
+        </p:spPr>
+        <p:txBody>
+          <a:bodyPr wrap="square" rtlCol="0">
+            <a:spAutoFit/>
+          </a:bodyPr>
+          <a:lstStyle/>
+          <a:p>
+            <a:endParaRPr lang="vi-VN" dirty="0"/>
+          </a:p>
+        </p:txBody>
+      </p:sp>
+      <p:sp>
+        <p:nvSpPr>
+          <p:cNvPr id="8" name="Google Shape;381;p22">
+            <a:extLst>
+              <a:ext uri="{FF2B5EF4-FFF2-40B4-BE49-F238E27FC236}">
+                <a16:creationId xmlns:a16="http://schemas.microsoft.com/office/drawing/2014/main" id="{08B6F9F3-8E39-98AE-43C3-A18A3A15A8EC}"/>
+              </a:ext>
+            </a:extLst>
+          </p:cNvPr>
+          <p:cNvSpPr txBox="1">
+            <a:spLocks noGrp="1"/>
+          </p:cNvSpPr>
+          <p:nvPr>
+            <p:ph type="subTitle" idx="1"/>
+          </p:nvPr>
+        </p:nvSpPr>
+        <p:spPr>
+          <a:xfrm>
+            <a:off x="1160400" y="1278893"/>
+            <a:ext cx="4935600" cy="798000"/>
+          </a:xfrm>
+          <a:prstGeom prst="rect">
+            <a:avLst/>
+          </a:prstGeom>
+        </p:spPr>
+        <p:txBody>
+          <a:bodyPr spcFirstLastPara="1" wrap="square" lIns="121900" tIns="121900" rIns="121900" bIns="121900" anchor="t" anchorCtr="0">
+            <a:noAutofit/>
+          </a:bodyPr>
+          <a:lstStyle/>
+          <a:p>
+            <a:pPr marL="0" lvl="0" indent="0" algn="l" rtl="0">
+              <a:spcBef>
+                <a:spcPts val="0"/>
+              </a:spcBef>
+              <a:spcAft>
+                <a:spcPts val="2100"/>
+              </a:spcAft>
+              <a:buNone/>
+            </a:pPr>
+            <a:r>
+              <a:rPr lang="vi-VN" dirty="0">
+                <a:solidFill>
+                  <a:schemeClr val="accent1"/>
+                </a:solidFill>
+              </a:rPr>
+              <a:t>1.Variable</a:t>
+            </a:r>
+            <a:endParaRPr dirty="0">
+              <a:solidFill>
+                <a:schemeClr val="accent1"/>
+              </a:solidFill>
+            </a:endParaRPr>
+          </a:p>
+        </p:txBody>
+      </p:sp>
+      <p:sp>
+        <p:nvSpPr>
+          <p:cNvPr id="9" name="TextBox 8">
+            <a:extLst>
+              <a:ext uri="{FF2B5EF4-FFF2-40B4-BE49-F238E27FC236}">
+                <a16:creationId xmlns:a16="http://schemas.microsoft.com/office/drawing/2014/main" id="{56855226-A937-E460-9009-9131514EE1BA}"/>
+              </a:ext>
+            </a:extLst>
+          </p:cNvPr>
+          <p:cNvSpPr txBox="1"/>
+          <p:nvPr/>
+        </p:nvSpPr>
+        <p:spPr>
+          <a:xfrm>
+            <a:off x="1291472" y="1923069"/>
+            <a:ext cx="8201320" cy="3108543"/>
+          </a:xfrm>
+          <a:prstGeom prst="rect">
+            <a:avLst/>
+          </a:prstGeom>
+          <a:noFill/>
+        </p:spPr>
+        <p:txBody>
+          <a:bodyPr wrap="square" rtlCol="0">
+            <a:spAutoFit/>
+          </a:bodyPr>
+          <a:lstStyle/>
+          <a:p>
+            <a:pPr marL="285750" indent="-285750">
+              <a:buFont typeface="Wingdings" panose="05000000000000000000" pitchFamily="2" charset="2"/>
+              <a:buChar char="ü"/>
+            </a:pPr>
+            <a:r>
+              <a:rPr lang="vi-VN" dirty="0">
+                <a:solidFill>
+                  <a:schemeClr val="bg2"/>
+                </a:solidFill>
+                <a:latin typeface="Roboto Mono" panose="00000009000000000000" pitchFamily="49" charset="0"/>
+                <a:ea typeface="Roboto Mono" panose="00000009000000000000" pitchFamily="49" charset="0"/>
+              </a:rPr>
+              <a:t>Biến là một ví trí trong bộ nhớ được sử dụng để lữu trữ dữ liệu</a:t>
+            </a:r>
+          </a:p>
+          <a:p>
+            <a:pPr marL="285750" indent="-285750">
+              <a:lnSpc>
+                <a:spcPct val="150000"/>
+              </a:lnSpc>
+              <a:buFont typeface="Wingdings" panose="05000000000000000000" pitchFamily="2" charset="2"/>
+              <a:buChar char="ü"/>
+            </a:pPr>
+            <a:r>
+              <a:rPr lang="vi-VN" dirty="0">
+                <a:solidFill>
+                  <a:schemeClr val="bg2"/>
+                </a:solidFill>
+                <a:latin typeface="Roboto Mono" panose="00000009000000000000" pitchFamily="49" charset="0"/>
+                <a:ea typeface="Roboto Mono" panose="00000009000000000000" pitchFamily="49" charset="0"/>
+              </a:rPr>
+              <a:t>Một biến sẽ có dữ liệu cụ thể và tên của biến để xác định địa chỉ và giá trị của biến</a:t>
+            </a:r>
+          </a:p>
+          <a:p>
+            <a:pPr marL="285750" indent="-285750">
+              <a:lnSpc>
+                <a:spcPct val="150000"/>
+              </a:lnSpc>
+              <a:buFont typeface="Wingdings" panose="05000000000000000000" pitchFamily="2" charset="2"/>
+              <a:buChar char="ü"/>
+            </a:pPr>
+            <a:r>
+              <a:rPr lang="vi-VN" dirty="0">
+                <a:solidFill>
+                  <a:schemeClr val="bg2"/>
+                </a:solidFill>
+                <a:latin typeface="Roboto Mono" panose="00000009000000000000" pitchFamily="49" charset="0"/>
+                <a:ea typeface="Roboto Mono" panose="00000009000000000000" pitchFamily="49" charset="0"/>
+              </a:rPr>
+              <a:t>Khai báo biến </a:t>
+            </a:r>
+          </a:p>
+          <a:p>
+            <a:pPr lvl="2">
+              <a:lnSpc>
+                <a:spcPct val="150000"/>
+              </a:lnSpc>
+            </a:pPr>
+            <a:r>
+              <a:rPr lang="vi-VN" dirty="0">
+                <a:solidFill>
+                  <a:schemeClr val="bg2"/>
+                </a:solidFill>
+                <a:latin typeface="Roboto Mono" panose="00000009000000000000" pitchFamily="49" charset="0"/>
+                <a:ea typeface="Roboto Mono" panose="00000009000000000000" pitchFamily="49" charset="0"/>
+              </a:rPr>
+              <a:t>	&lt;kiểu dữ liệu&gt; &lt;tên biến&gt;;</a:t>
+            </a:r>
+          </a:p>
+          <a:p>
+            <a:pPr marL="285750" indent="-285750">
+              <a:lnSpc>
+                <a:spcPct val="150000"/>
+              </a:lnSpc>
+              <a:buFont typeface="Wingdings" panose="05000000000000000000" pitchFamily="2" charset="2"/>
+              <a:buChar char="ü"/>
+            </a:pPr>
+            <a:r>
+              <a:rPr lang="vi-VN" dirty="0">
+                <a:solidFill>
+                  <a:schemeClr val="bg2"/>
+                </a:solidFill>
+                <a:latin typeface="Roboto Mono" panose="00000009000000000000" pitchFamily="49" charset="0"/>
+                <a:ea typeface="Roboto Mono" panose="00000009000000000000" pitchFamily="49" charset="0"/>
+              </a:rPr>
+              <a:t>Ví dụ : int age</a:t>
+            </a:r>
+          </a:p>
+          <a:p>
+            <a:pPr marL="285750" indent="-285750">
+              <a:lnSpc>
+                <a:spcPct val="150000"/>
+              </a:lnSpc>
+              <a:buFont typeface="Wingdings" panose="05000000000000000000" pitchFamily="2" charset="2"/>
+              <a:buChar char="ü"/>
+            </a:pPr>
+            <a:r>
+              <a:rPr lang="vi-VN" dirty="0">
+                <a:solidFill>
+                  <a:schemeClr val="bg2"/>
+                </a:solidFill>
+                <a:latin typeface="Roboto Mono" panose="00000009000000000000" pitchFamily="49" charset="0"/>
+                <a:ea typeface="Roboto Mono" panose="00000009000000000000" pitchFamily="49" charset="0"/>
+              </a:rPr>
+              <a:t>Gán giá trị cho biến:</a:t>
+            </a:r>
+          </a:p>
+          <a:p>
+            <a:pPr>
+              <a:lnSpc>
+                <a:spcPct val="150000"/>
+              </a:lnSpc>
+            </a:pPr>
+            <a:r>
+              <a:rPr lang="vi-VN" dirty="0">
+                <a:solidFill>
+                  <a:schemeClr val="bg2"/>
+                </a:solidFill>
+                <a:latin typeface="Roboto Mono" panose="00000009000000000000" pitchFamily="49" charset="0"/>
+                <a:ea typeface="Roboto Mono" panose="00000009000000000000" pitchFamily="49" charset="0"/>
+              </a:rPr>
+              <a:t>   int age = 20;</a:t>
+            </a:r>
+          </a:p>
+          <a:p>
+            <a:pPr marL="285750" indent="-285750">
+              <a:lnSpc>
+                <a:spcPct val="150000"/>
+              </a:lnSpc>
+              <a:buFont typeface="Wingdings" panose="05000000000000000000" pitchFamily="2" charset="2"/>
+              <a:buChar char="ü"/>
+            </a:pPr>
+            <a:r>
+              <a:rPr lang="vi-VN" dirty="0">
+                <a:solidFill>
+                  <a:schemeClr val="bg2"/>
+                </a:solidFill>
+                <a:latin typeface="Roboto Mono" panose="00000009000000000000" pitchFamily="49" charset="0"/>
+                <a:ea typeface="Roboto Mono" panose="00000009000000000000" pitchFamily="49" charset="0"/>
+              </a:rPr>
+              <a:t>Tên biến không được chứa dấu cách, kí tự </a:t>
+            </a:r>
+          </a:p>
+          <a:p>
+            <a:pPr marL="285750" indent="-285750">
+              <a:buFont typeface="Arial" panose="020B0604020202020204" pitchFamily="34" charset="0"/>
+              <a:buChar char="•"/>
+            </a:pPr>
+            <a:endParaRPr lang="vi-VN" dirty="0">
+              <a:solidFill>
+                <a:schemeClr val="tx1"/>
+              </a:solidFill>
+              <a:latin typeface="Roboto Mono" panose="00000009000000000000" pitchFamily="49" charset="0"/>
+              <a:ea typeface="Roboto Mono" panose="00000009000000000000" pitchFamily="49" charset="0"/>
+            </a:endParaRPr>
+          </a:p>
+        </p:txBody>
+      </p:sp>
     </p:spTree>
+  </p:cSld>
+  <p:clrMapOvr>
+    <a:masterClrMapping/>
+  </p:clrMapOvr>
+</p:sld>
+</file>
+
+<file path=ppt/slides/slide4.xml><?xml version="1.0" encoding="utf-8"?>
+<p:sld xmlns:a="http://schemas.openxmlformats.org/drawingml/2006/main" xmlns:r="http://schemas.openxmlformats.org/officeDocument/2006/relationships" xmlns:p="http://schemas.openxmlformats.org/presentationml/2006/main">
+  <p:cSld>
+    <p:spTree>
+      <p:nvGrpSpPr>
+        <p:cNvPr id="1" name="Shape 416"/>
+        <p:cNvGrpSpPr/>
+        <p:nvPr/>
+      </p:nvGrpSpPr>
+      <p:grpSpPr>
+        <a:xfrm>
+          <a:off x="0" y="0"/>
+          <a:ext cx="0" cy="0"/>
+          <a:chOff x="0" y="0"/>
+          <a:chExt cx="0" cy="0"/>
+        </a:xfrm>
+      </p:grpSpPr>
+      <p:sp>
+        <p:nvSpPr>
+          <p:cNvPr id="2" name="TextBox 1">
+            <a:extLst>
+              <a:ext uri="{FF2B5EF4-FFF2-40B4-BE49-F238E27FC236}">
+                <a16:creationId xmlns:a16="http://schemas.microsoft.com/office/drawing/2014/main" id="{E3FCE185-0D50-6E3C-0A4B-9927E31CB7C7}"/>
+              </a:ext>
+            </a:extLst>
+          </p:cNvPr>
+          <p:cNvSpPr txBox="1"/>
+          <p:nvPr/>
+        </p:nvSpPr>
+        <p:spPr>
+          <a:xfrm>
+            <a:off x="5613662" y="2974156"/>
+            <a:ext cx="914400" cy="914400"/>
+          </a:xfrm>
+          <a:prstGeom prst="rect">
+            <a:avLst/>
+          </a:prstGeom>
+          <a:noFill/>
+        </p:spPr>
+        <p:txBody>
+          <a:bodyPr wrap="square" rtlCol="0">
+            <a:spAutoFit/>
+          </a:bodyPr>
+          <a:lstStyle/>
+          <a:p>
+            <a:endParaRPr lang="vi-VN" dirty="0"/>
+          </a:p>
+        </p:txBody>
+      </p:sp>
+      <p:sp>
+        <p:nvSpPr>
+          <p:cNvPr id="8" name="Google Shape;381;p22">
+            <a:extLst>
+              <a:ext uri="{FF2B5EF4-FFF2-40B4-BE49-F238E27FC236}">
+                <a16:creationId xmlns:a16="http://schemas.microsoft.com/office/drawing/2014/main" id="{08B6F9F3-8E39-98AE-43C3-A18A3A15A8EC}"/>
+              </a:ext>
+            </a:extLst>
+          </p:cNvPr>
+          <p:cNvSpPr txBox="1">
+            <a:spLocks noGrp="1"/>
+          </p:cNvSpPr>
+          <p:nvPr>
+            <p:ph type="subTitle" idx="1"/>
+          </p:nvPr>
+        </p:nvSpPr>
+        <p:spPr>
+          <a:xfrm>
+            <a:off x="1160400" y="1278893"/>
+            <a:ext cx="4935600" cy="798000"/>
+          </a:xfrm>
+          <a:prstGeom prst="rect">
+            <a:avLst/>
+          </a:prstGeom>
+        </p:spPr>
+        <p:txBody>
+          <a:bodyPr spcFirstLastPara="1" wrap="square" lIns="121900" tIns="121900" rIns="121900" bIns="121900" anchor="t" anchorCtr="0">
+            <a:noAutofit/>
+          </a:bodyPr>
+          <a:lstStyle/>
+          <a:p>
+            <a:pPr marL="0" lvl="0" indent="0" algn="l" rtl="0">
+              <a:spcBef>
+                <a:spcPts val="0"/>
+              </a:spcBef>
+              <a:spcAft>
+                <a:spcPts val="2100"/>
+              </a:spcAft>
+              <a:buNone/>
+            </a:pPr>
+            <a:r>
+              <a:rPr lang="vi-VN" dirty="0">
+                <a:solidFill>
+                  <a:schemeClr val="accent1"/>
+                </a:solidFill>
+              </a:rPr>
+              <a:t>2.DataType</a:t>
+            </a:r>
+            <a:endParaRPr dirty="0">
+              <a:solidFill>
+                <a:schemeClr val="accent1"/>
+              </a:solidFill>
+            </a:endParaRPr>
+          </a:p>
+        </p:txBody>
+      </p:sp>
+      <p:sp>
+        <p:nvSpPr>
+          <p:cNvPr id="9" name="TextBox 8">
+            <a:extLst>
+              <a:ext uri="{FF2B5EF4-FFF2-40B4-BE49-F238E27FC236}">
+                <a16:creationId xmlns:a16="http://schemas.microsoft.com/office/drawing/2014/main" id="{56855226-A937-E460-9009-9131514EE1BA}"/>
+              </a:ext>
+            </a:extLst>
+          </p:cNvPr>
+          <p:cNvSpPr txBox="1"/>
+          <p:nvPr/>
+        </p:nvSpPr>
+        <p:spPr>
+          <a:xfrm>
+            <a:off x="1513002" y="1809947"/>
+            <a:ext cx="8201320" cy="369332"/>
+          </a:xfrm>
+          <a:prstGeom prst="rect">
+            <a:avLst/>
+          </a:prstGeom>
+          <a:noFill/>
+        </p:spPr>
+        <p:txBody>
+          <a:bodyPr wrap="square" rtlCol="0">
+            <a:spAutoFit/>
+          </a:bodyPr>
+          <a:lstStyle/>
+          <a:p>
+            <a:r>
+              <a:rPr lang="vi-VN" sz="1800" b="1" i="1" u="sng" dirty="0">
+                <a:solidFill>
+                  <a:schemeClr val="tx1"/>
+                </a:solidFill>
+                <a:latin typeface="Roboto Mono" panose="00000009000000000000" pitchFamily="49" charset="0"/>
+                <a:ea typeface="Roboto Mono" panose="00000009000000000000" pitchFamily="49" charset="0"/>
+              </a:rPr>
+              <a:t>2.1 Primitive</a:t>
+            </a:r>
+          </a:p>
+        </p:txBody>
+      </p:sp>
+      <p:sp>
+        <p:nvSpPr>
+          <p:cNvPr id="6" name="Rectangle 2">
+            <a:extLst>
+              <a:ext uri="{FF2B5EF4-FFF2-40B4-BE49-F238E27FC236}">
+                <a16:creationId xmlns:a16="http://schemas.microsoft.com/office/drawing/2014/main" id="{27173A15-D599-449C-714F-C0C6F3B4D8AF}"/>
+              </a:ext>
+            </a:extLst>
+          </p:cNvPr>
+          <p:cNvSpPr>
+            <a:spLocks noChangeArrowheads="1"/>
+          </p:cNvSpPr>
+          <p:nvPr/>
+        </p:nvSpPr>
+        <p:spPr bwMode="auto">
+          <a:xfrm>
+            <a:off x="1888183" y="1660147"/>
+            <a:ext cx="7077334" cy="3918960"/>
+          </a:xfrm>
+          <a:prstGeom prst="rect">
+            <a:avLst/>
+          </a:prstGeom>
+          <a:noFill/>
+          <a:ln>
+            <a:noFill/>
+          </a:ln>
+          <a:effectLst/>
+        </p:spPr>
+        <p:txBody>
+          <a:bodyPr vert="horz" wrap="square" lIns="0" tIns="198375" rIns="0" bIns="198375" numCol="1" anchor="ctr" anchorCtr="0" compatLnSpc="1">
+            <a:prstTxWarp prst="textNoShape">
+              <a:avLst/>
+            </a:prstTxWarp>
+            <a:spAutoFit/>
+          </a:bodyPr>
+          <a:lstStyle/>
+          <a:p>
+            <a:pPr marL="0" marR="0" lvl="0" indent="0" algn="l" defTabSz="914400" rtl="0" eaLnBrk="0" fontAlgn="base" latinLnBrk="0" hangingPunct="0">
+              <a:lnSpc>
+                <a:spcPct val="150000"/>
+              </a:lnSpc>
+              <a:spcBef>
+                <a:spcPct val="0"/>
+              </a:spcBef>
+              <a:spcAft>
+                <a:spcPct val="0"/>
+              </a:spcAft>
+              <a:buClrTx/>
+              <a:buSzTx/>
+              <a:buFontTx/>
+              <a:buNone/>
+              <a:tabLst/>
+            </a:pPr>
+            <a:endParaRPr kumimoji="0" lang="vi-VN" altLang="vi-VN" b="0" i="0" u="none" strike="noStrike" cap="none" normalizeH="0" baseline="0" dirty="0">
+              <a:ln>
+                <a:noFill/>
+              </a:ln>
+              <a:solidFill>
+                <a:schemeClr val="tx1"/>
+              </a:solidFill>
+              <a:effectLst/>
+              <a:latin typeface="Roboto Mono" panose="00000009000000000000" pitchFamily="49" charset="0"/>
+              <a:ea typeface="Roboto Mono" panose="00000009000000000000" pitchFamily="49" charset="0"/>
+            </a:endParaRPr>
+          </a:p>
+          <a:p>
+            <a:pPr marL="0" marR="0" lvl="0" indent="0" algn="l" defTabSz="914400" rtl="0" eaLnBrk="0" fontAlgn="base" latinLnBrk="0" hangingPunct="0">
+              <a:lnSpc>
+                <a:spcPct val="150000"/>
+              </a:lnSpc>
+              <a:spcBef>
+                <a:spcPct val="0"/>
+              </a:spcBef>
+              <a:spcAft>
+                <a:spcPct val="0"/>
+              </a:spcAft>
+              <a:buClrTx/>
+              <a:buSzTx/>
+              <a:buFontTx/>
+              <a:buAutoNum type="arabicPeriod"/>
+              <a:tabLst/>
+            </a:pPr>
+            <a:r>
+              <a:rPr kumimoji="0" lang="vi-VN" altLang="vi-VN" b="1" i="0" u="none" strike="noStrike" cap="none" normalizeH="0" baseline="0" dirty="0">
+                <a:ln>
+                  <a:noFill/>
+                </a:ln>
+                <a:solidFill>
+                  <a:schemeClr val="tx1"/>
+                </a:solidFill>
+                <a:effectLst/>
+                <a:latin typeface="Roboto Mono" panose="00000009000000000000" pitchFamily="49" charset="0"/>
+                <a:ea typeface="Roboto Mono" panose="00000009000000000000" pitchFamily="49" charset="0"/>
+              </a:rPr>
+              <a:t>boolean</a:t>
+            </a:r>
+            <a:r>
+              <a:rPr kumimoji="0" lang="vi-VN" altLang="vi-VN" b="0" i="0" u="none" strike="noStrike" cap="none" normalizeH="0" baseline="0" dirty="0">
+                <a:ln>
+                  <a:noFill/>
+                </a:ln>
+                <a:solidFill>
+                  <a:schemeClr val="tx1"/>
+                </a:solidFill>
+                <a:effectLst/>
+                <a:latin typeface="Roboto Mono" panose="00000009000000000000" pitchFamily="49" charset="0"/>
+                <a:ea typeface="Roboto Mono" panose="00000009000000000000" pitchFamily="49" charset="0"/>
+              </a:rPr>
+              <a:t>: Kiểu dữ liệu boolean chỉ có hai giá trị là </a:t>
+            </a:r>
+            <a:r>
+              <a:rPr kumimoji="0" lang="vi-VN" altLang="vi-VN" b="1" i="0" u="none" strike="noStrike" cap="none" normalizeH="0" baseline="0" dirty="0">
+                <a:ln>
+                  <a:noFill/>
+                </a:ln>
+                <a:solidFill>
+                  <a:schemeClr val="tx1"/>
+                </a:solidFill>
+                <a:effectLst/>
+                <a:latin typeface="Roboto Mono" panose="00000009000000000000" pitchFamily="49" charset="0"/>
+                <a:ea typeface="Roboto Mono" panose="00000009000000000000" pitchFamily="49" charset="0"/>
+              </a:rPr>
+              <a:t>true</a:t>
+            </a:r>
+            <a:r>
+              <a:rPr kumimoji="0" lang="vi-VN" altLang="vi-VN" b="0" i="0" u="none" strike="noStrike" cap="none" normalizeH="0" baseline="0" dirty="0">
+                <a:ln>
+                  <a:noFill/>
+                </a:ln>
+                <a:solidFill>
+                  <a:schemeClr val="tx1"/>
+                </a:solidFill>
+                <a:effectLst/>
+                <a:latin typeface="Roboto Mono" panose="00000009000000000000" pitchFamily="49" charset="0"/>
+                <a:ea typeface="Roboto Mono" panose="00000009000000000000" pitchFamily="49" charset="0"/>
+              </a:rPr>
+              <a:t> và </a:t>
+            </a:r>
+            <a:r>
+              <a:rPr kumimoji="0" lang="vi-VN" altLang="vi-VN" b="1" i="0" u="none" strike="noStrike" cap="none" normalizeH="0" baseline="0" dirty="0">
+                <a:ln>
+                  <a:noFill/>
+                </a:ln>
+                <a:solidFill>
+                  <a:schemeClr val="tx1"/>
+                </a:solidFill>
+                <a:effectLst/>
+                <a:latin typeface="Roboto Mono" panose="00000009000000000000" pitchFamily="49" charset="0"/>
+                <a:ea typeface="Roboto Mono" panose="00000009000000000000" pitchFamily="49" charset="0"/>
+              </a:rPr>
+              <a:t>false</a:t>
+            </a:r>
+            <a:r>
+              <a:rPr kumimoji="0" lang="vi-VN" altLang="vi-VN" b="0" i="0" u="none" strike="noStrike" cap="none" normalizeH="0" baseline="0" dirty="0">
+                <a:ln>
+                  <a:noFill/>
+                </a:ln>
+                <a:solidFill>
+                  <a:schemeClr val="tx1"/>
+                </a:solidFill>
+                <a:effectLst/>
+                <a:latin typeface="Roboto Mono" panose="00000009000000000000" pitchFamily="49" charset="0"/>
+                <a:ea typeface="Roboto Mono" panose="00000009000000000000" pitchFamily="49" charset="0"/>
+              </a:rPr>
+              <a:t>. Dùng để đại diện cho các giá trị logic.</a:t>
+            </a:r>
+          </a:p>
+          <a:p>
+            <a:pPr marL="0" marR="0" lvl="0" indent="0" algn="l" defTabSz="914400" rtl="0" eaLnBrk="0" fontAlgn="base" latinLnBrk="0" hangingPunct="0">
+              <a:lnSpc>
+                <a:spcPct val="150000"/>
+              </a:lnSpc>
+              <a:spcBef>
+                <a:spcPct val="0"/>
+              </a:spcBef>
+              <a:spcAft>
+                <a:spcPct val="0"/>
+              </a:spcAft>
+              <a:buClrTx/>
+              <a:buSzTx/>
+              <a:buFontTx/>
+              <a:buAutoNum type="arabicPeriod" startAt="2"/>
+              <a:tabLst/>
+            </a:pPr>
+            <a:r>
+              <a:rPr kumimoji="0" lang="vi-VN" altLang="vi-VN" b="1" i="0" u="none" strike="noStrike" cap="none" normalizeH="0" baseline="0" dirty="0">
+                <a:ln>
+                  <a:noFill/>
+                </a:ln>
+                <a:solidFill>
+                  <a:schemeClr val="tx1"/>
+                </a:solidFill>
+                <a:effectLst/>
+                <a:latin typeface="Roboto Mono" panose="00000009000000000000" pitchFamily="49" charset="0"/>
+                <a:ea typeface="Roboto Mono" panose="00000009000000000000" pitchFamily="49" charset="0"/>
+              </a:rPr>
+              <a:t>byte</a:t>
+            </a:r>
+            <a:r>
+              <a:rPr kumimoji="0" lang="vi-VN" altLang="vi-VN" b="0" i="0" u="none" strike="noStrike" cap="none" normalizeH="0" baseline="0" dirty="0">
+                <a:ln>
+                  <a:noFill/>
+                </a:ln>
+                <a:solidFill>
+                  <a:schemeClr val="tx1"/>
+                </a:solidFill>
+                <a:effectLst/>
+                <a:latin typeface="Roboto Mono" panose="00000009000000000000" pitchFamily="49" charset="0"/>
+                <a:ea typeface="Roboto Mono" panose="00000009000000000000" pitchFamily="49" charset="0"/>
+              </a:rPr>
+              <a:t>: Kiểu dữ liệu byte dùng để lưu trữ các số nguyên có phạm vi từ -128 đến 127. Dùng để tiết kiệm bộ nhớ khi lưu trữ các giá trị số nguyên nhỏ.</a:t>
+            </a:r>
+          </a:p>
+          <a:p>
+            <a:pPr marL="0" marR="0" lvl="0" indent="0" algn="l" defTabSz="914400" rtl="0" eaLnBrk="0" fontAlgn="base" latinLnBrk="0" hangingPunct="0">
+              <a:lnSpc>
+                <a:spcPct val="150000"/>
+              </a:lnSpc>
+              <a:spcBef>
+                <a:spcPct val="0"/>
+              </a:spcBef>
+              <a:spcAft>
+                <a:spcPct val="0"/>
+              </a:spcAft>
+              <a:buClrTx/>
+              <a:buSzTx/>
+              <a:buFontTx/>
+              <a:buAutoNum type="arabicPeriod" startAt="3"/>
+              <a:tabLst/>
+            </a:pPr>
+            <a:r>
+              <a:rPr kumimoji="0" lang="vi-VN" altLang="vi-VN" b="1" i="0" u="none" strike="noStrike" cap="none" normalizeH="0" baseline="0" dirty="0">
+                <a:ln>
+                  <a:noFill/>
+                </a:ln>
+                <a:solidFill>
+                  <a:schemeClr val="tx1"/>
+                </a:solidFill>
+                <a:effectLst/>
+                <a:latin typeface="Roboto Mono" panose="00000009000000000000" pitchFamily="49" charset="0"/>
+                <a:ea typeface="Roboto Mono" panose="00000009000000000000" pitchFamily="49" charset="0"/>
+              </a:rPr>
+              <a:t>short</a:t>
+            </a:r>
+            <a:r>
+              <a:rPr kumimoji="0" lang="vi-VN" altLang="vi-VN" b="0" i="0" u="none" strike="noStrike" cap="none" normalizeH="0" baseline="0" dirty="0">
+                <a:ln>
+                  <a:noFill/>
+                </a:ln>
+                <a:solidFill>
+                  <a:schemeClr val="tx1"/>
+                </a:solidFill>
+                <a:effectLst/>
+                <a:latin typeface="Roboto Mono" panose="00000009000000000000" pitchFamily="49" charset="0"/>
+                <a:ea typeface="Roboto Mono" panose="00000009000000000000" pitchFamily="49" charset="0"/>
+              </a:rPr>
+              <a:t>: Kiểu dữ liệu short dùng để lưu trữ các số nguyên có phạm vi từ -32,768 đến 32,767.</a:t>
+            </a:r>
+          </a:p>
+          <a:p>
+            <a:pPr marL="0" marR="0" lvl="0" indent="0" algn="l" defTabSz="914400" rtl="0" eaLnBrk="0" fontAlgn="base" latinLnBrk="0" hangingPunct="0">
+              <a:lnSpc>
+                <a:spcPct val="150000"/>
+              </a:lnSpc>
+              <a:spcBef>
+                <a:spcPct val="0"/>
+              </a:spcBef>
+              <a:spcAft>
+                <a:spcPct val="0"/>
+              </a:spcAft>
+              <a:buClrTx/>
+              <a:buSzTx/>
+              <a:buFontTx/>
+              <a:buAutoNum type="arabicPeriod" startAt="4"/>
+              <a:tabLst/>
+            </a:pPr>
+            <a:r>
+              <a:rPr kumimoji="0" lang="vi-VN" altLang="vi-VN" b="1" i="0" u="none" strike="noStrike" cap="none" normalizeH="0" baseline="0" dirty="0">
+                <a:ln>
+                  <a:noFill/>
+                </a:ln>
+                <a:solidFill>
+                  <a:schemeClr val="tx1"/>
+                </a:solidFill>
+                <a:effectLst/>
+                <a:latin typeface="Roboto Mono" panose="00000009000000000000" pitchFamily="49" charset="0"/>
+                <a:ea typeface="Roboto Mono" panose="00000009000000000000" pitchFamily="49" charset="0"/>
+              </a:rPr>
+              <a:t>int</a:t>
+            </a:r>
+            <a:r>
+              <a:rPr kumimoji="0" lang="vi-VN" altLang="vi-VN" b="0" i="0" u="none" strike="noStrike" cap="none" normalizeH="0" baseline="0" dirty="0">
+                <a:ln>
+                  <a:noFill/>
+                </a:ln>
+                <a:solidFill>
+                  <a:schemeClr val="tx1"/>
+                </a:solidFill>
+                <a:effectLst/>
+                <a:latin typeface="Roboto Mono" panose="00000009000000000000" pitchFamily="49" charset="0"/>
+                <a:ea typeface="Roboto Mono" panose="00000009000000000000" pitchFamily="49" charset="0"/>
+              </a:rPr>
+              <a:t>: Kiểu dữ liệu int dùng để lưu trữ các số nguyên có phạm vi từ -2,147,483,648 đến 2,147,483,647. Đây là kiểu dữ liệu nguyên thủy phổ biến nhất trong Java.</a:t>
+            </a:r>
+          </a:p>
+        </p:txBody>
+      </p:sp>
+    </p:spTree>
+    <p:extLst>
+      <p:ext uri="{BB962C8B-B14F-4D97-AF65-F5344CB8AC3E}">
+        <p14:creationId xmlns:p14="http://schemas.microsoft.com/office/powerpoint/2010/main" val="1516645772"/>
+      </p:ext>
+    </p:extLst>
+  </p:cSld>
+  <p:clrMapOvr>
+    <a:masterClrMapping/>
+  </p:clrMapOvr>
+</p:sld>
+</file>
+
+<file path=ppt/slides/slide5.xml><?xml version="1.0" encoding="utf-8"?>
+<p:sld xmlns:a="http://schemas.openxmlformats.org/drawingml/2006/main" xmlns:r="http://schemas.openxmlformats.org/officeDocument/2006/relationships" xmlns:p="http://schemas.openxmlformats.org/presentationml/2006/main">
+  <p:cSld>
+    <p:spTree>
+      <p:nvGrpSpPr>
+        <p:cNvPr id="1" name="Shape 416"/>
+        <p:cNvGrpSpPr/>
+        <p:nvPr/>
+      </p:nvGrpSpPr>
+      <p:grpSpPr>
+        <a:xfrm>
+          <a:off x="0" y="0"/>
+          <a:ext cx="0" cy="0"/>
+          <a:chOff x="0" y="0"/>
+          <a:chExt cx="0" cy="0"/>
+        </a:xfrm>
+      </p:grpSpPr>
+      <p:sp>
+        <p:nvSpPr>
+          <p:cNvPr id="2" name="TextBox 1">
+            <a:extLst>
+              <a:ext uri="{FF2B5EF4-FFF2-40B4-BE49-F238E27FC236}">
+                <a16:creationId xmlns:a16="http://schemas.microsoft.com/office/drawing/2014/main" id="{E3FCE185-0D50-6E3C-0A4B-9927E31CB7C7}"/>
+              </a:ext>
+            </a:extLst>
+          </p:cNvPr>
+          <p:cNvSpPr txBox="1"/>
+          <p:nvPr/>
+        </p:nvSpPr>
+        <p:spPr>
+          <a:xfrm>
+            <a:off x="5613662" y="2974156"/>
+            <a:ext cx="914400" cy="914400"/>
+          </a:xfrm>
+          <a:prstGeom prst="rect">
+            <a:avLst/>
+          </a:prstGeom>
+          <a:noFill/>
+        </p:spPr>
+        <p:txBody>
+          <a:bodyPr wrap="square" rtlCol="0">
+            <a:spAutoFit/>
+          </a:bodyPr>
+          <a:lstStyle/>
+          <a:p>
+            <a:endParaRPr lang="vi-VN" dirty="0"/>
+          </a:p>
+        </p:txBody>
+      </p:sp>
+      <p:sp>
+        <p:nvSpPr>
+          <p:cNvPr id="8" name="Google Shape;381;p22">
+            <a:extLst>
+              <a:ext uri="{FF2B5EF4-FFF2-40B4-BE49-F238E27FC236}">
+                <a16:creationId xmlns:a16="http://schemas.microsoft.com/office/drawing/2014/main" id="{08B6F9F3-8E39-98AE-43C3-A18A3A15A8EC}"/>
+              </a:ext>
+            </a:extLst>
+          </p:cNvPr>
+          <p:cNvSpPr txBox="1">
+            <a:spLocks noGrp="1"/>
+          </p:cNvSpPr>
+          <p:nvPr>
+            <p:ph type="subTitle" idx="1"/>
+          </p:nvPr>
+        </p:nvSpPr>
+        <p:spPr>
+          <a:xfrm>
+            <a:off x="1160400" y="1278893"/>
+            <a:ext cx="4935600" cy="798000"/>
+          </a:xfrm>
+          <a:prstGeom prst="rect">
+            <a:avLst/>
+          </a:prstGeom>
+        </p:spPr>
+        <p:txBody>
+          <a:bodyPr spcFirstLastPara="1" wrap="square" lIns="121900" tIns="121900" rIns="121900" bIns="121900" anchor="t" anchorCtr="0">
+            <a:noAutofit/>
+          </a:bodyPr>
+          <a:lstStyle/>
+          <a:p>
+            <a:pPr marL="0" lvl="0" indent="0" algn="l" rtl="0">
+              <a:spcBef>
+                <a:spcPts val="0"/>
+              </a:spcBef>
+              <a:spcAft>
+                <a:spcPts val="2100"/>
+              </a:spcAft>
+              <a:buNone/>
+            </a:pPr>
+            <a:r>
+              <a:rPr lang="vi-VN" dirty="0">
+                <a:solidFill>
+                  <a:schemeClr val="accent1"/>
+                </a:solidFill>
+              </a:rPr>
+              <a:t>2.DataType</a:t>
+            </a:r>
+            <a:endParaRPr dirty="0">
+              <a:solidFill>
+                <a:schemeClr val="accent1"/>
+              </a:solidFill>
+            </a:endParaRPr>
+          </a:p>
+        </p:txBody>
+      </p:sp>
+      <p:sp>
+        <p:nvSpPr>
+          <p:cNvPr id="9" name="TextBox 8">
+            <a:extLst>
+              <a:ext uri="{FF2B5EF4-FFF2-40B4-BE49-F238E27FC236}">
+                <a16:creationId xmlns:a16="http://schemas.microsoft.com/office/drawing/2014/main" id="{56855226-A937-E460-9009-9131514EE1BA}"/>
+              </a:ext>
+            </a:extLst>
+          </p:cNvPr>
+          <p:cNvSpPr txBox="1"/>
+          <p:nvPr/>
+        </p:nvSpPr>
+        <p:spPr>
+          <a:xfrm>
+            <a:off x="1513002" y="1836355"/>
+            <a:ext cx="8201320" cy="369332"/>
+          </a:xfrm>
+          <a:prstGeom prst="rect">
+            <a:avLst/>
+          </a:prstGeom>
+          <a:noFill/>
+        </p:spPr>
+        <p:txBody>
+          <a:bodyPr wrap="square" rtlCol="0">
+            <a:spAutoFit/>
+          </a:bodyPr>
+          <a:lstStyle/>
+          <a:p>
+            <a:r>
+              <a:rPr lang="vi-VN" sz="1800" b="1" i="1" u="sng" dirty="0">
+                <a:solidFill>
+                  <a:schemeClr val="tx1"/>
+                </a:solidFill>
+                <a:latin typeface="Roboto Mono" panose="00000009000000000000" pitchFamily="49" charset="0"/>
+                <a:ea typeface="Roboto Mono" panose="00000009000000000000" pitchFamily="49" charset="0"/>
+              </a:rPr>
+              <a:t>2.1 Primitive</a:t>
+            </a:r>
+          </a:p>
+        </p:txBody>
+      </p:sp>
+      <p:sp>
+        <p:nvSpPr>
+          <p:cNvPr id="6" name="Rectangle 2">
+            <a:extLst>
+              <a:ext uri="{FF2B5EF4-FFF2-40B4-BE49-F238E27FC236}">
+                <a16:creationId xmlns:a16="http://schemas.microsoft.com/office/drawing/2014/main" id="{27173A15-D599-449C-714F-C0C6F3B4D8AF}"/>
+              </a:ext>
+            </a:extLst>
+          </p:cNvPr>
+          <p:cNvSpPr>
+            <a:spLocks noChangeArrowheads="1"/>
+          </p:cNvSpPr>
+          <p:nvPr/>
+        </p:nvSpPr>
+        <p:spPr bwMode="auto">
+          <a:xfrm>
+            <a:off x="1875322" y="2076893"/>
+            <a:ext cx="8441356" cy="2949464"/>
+          </a:xfrm>
+          <a:prstGeom prst="rect">
+            <a:avLst/>
+          </a:prstGeom>
+          <a:noFill/>
+          <a:ln>
+            <a:noFill/>
+          </a:ln>
+          <a:effectLst/>
+        </p:spPr>
+        <p:txBody>
+          <a:bodyPr vert="horz" wrap="square" lIns="0" tIns="198375" rIns="0" bIns="198375" numCol="1" anchor="ctr" anchorCtr="0" compatLnSpc="1">
+            <a:prstTxWarp prst="textNoShape">
+              <a:avLst/>
+            </a:prstTxWarp>
+            <a:spAutoFit/>
+          </a:bodyPr>
+          <a:lstStyle/>
+          <a:p>
+            <a:pPr marL="0" marR="0" lvl="0" indent="0" algn="l" defTabSz="914400" rtl="0" eaLnBrk="0" fontAlgn="base" latinLnBrk="0" hangingPunct="0">
+              <a:lnSpc>
+                <a:spcPct val="150000"/>
+              </a:lnSpc>
+              <a:spcBef>
+                <a:spcPct val="0"/>
+              </a:spcBef>
+              <a:spcAft>
+                <a:spcPct val="0"/>
+              </a:spcAft>
+              <a:buClrTx/>
+              <a:buSzTx/>
+              <a:tabLst/>
+            </a:pPr>
+            <a:r>
+              <a:rPr lang="vi-VN" altLang="vi-VN" dirty="0">
+                <a:solidFill>
+                  <a:schemeClr val="tx1"/>
+                </a:solidFill>
+                <a:latin typeface="Roboto Mono" panose="00000009000000000000" pitchFamily="49" charset="0"/>
+                <a:ea typeface="Roboto Mono" panose="00000009000000000000" pitchFamily="49" charset="0"/>
+              </a:rPr>
+              <a:t>5.</a:t>
+            </a:r>
+            <a:r>
+              <a:rPr kumimoji="0" lang="vi-VN" altLang="vi-VN" b="1" i="0" u="none" strike="noStrike" cap="none" normalizeH="0" baseline="0" dirty="0">
+                <a:ln>
+                  <a:noFill/>
+                </a:ln>
+                <a:solidFill>
+                  <a:schemeClr val="tx1"/>
+                </a:solidFill>
+                <a:effectLst/>
+                <a:latin typeface="Roboto Mono" panose="00000009000000000000" pitchFamily="49" charset="0"/>
+                <a:ea typeface="Roboto Mono" panose="00000009000000000000" pitchFamily="49" charset="0"/>
+              </a:rPr>
+              <a:t>long: Kiểu dữ liệu long dùng để lưu trữ các số nguyên có phạm vi rộng hơn so với int, từ -9,223,372,036,854,775,808 đến 9,223,372,036,854,775,807.</a:t>
+            </a:r>
+          </a:p>
+          <a:p>
+            <a:pPr marL="0" marR="0" lvl="0" indent="0" algn="l" defTabSz="914400" rtl="0" eaLnBrk="0" fontAlgn="base" latinLnBrk="0" hangingPunct="0">
+              <a:lnSpc>
+                <a:spcPct val="150000"/>
+              </a:lnSpc>
+              <a:spcBef>
+                <a:spcPct val="0"/>
+              </a:spcBef>
+              <a:spcAft>
+                <a:spcPct val="0"/>
+              </a:spcAft>
+              <a:buClrTx/>
+              <a:buSzTx/>
+              <a:tabLst/>
+            </a:pPr>
+            <a:r>
+              <a:rPr kumimoji="0" lang="vi-VN" altLang="vi-VN" b="1" i="0" u="none" strike="noStrike" cap="none" normalizeH="0" baseline="0" dirty="0">
+                <a:ln>
+                  <a:noFill/>
+                </a:ln>
+                <a:solidFill>
+                  <a:schemeClr val="tx1"/>
+                </a:solidFill>
+                <a:effectLst/>
+                <a:latin typeface="Roboto Mono" panose="00000009000000000000" pitchFamily="49" charset="0"/>
+                <a:ea typeface="Roboto Mono" panose="00000009000000000000" pitchFamily="49" charset="0"/>
+              </a:rPr>
+              <a:t>6.float: Kiểu dữ liệu float dùng để lưu trữ các số thực (số thập phân). Để khai báo biến float</a:t>
+            </a:r>
+          </a:p>
+          <a:p>
+            <a:pPr marL="0" marR="0" lvl="0" indent="0" algn="l" defTabSz="914400" rtl="0" eaLnBrk="0" fontAlgn="base" latinLnBrk="0" hangingPunct="0">
+              <a:lnSpc>
+                <a:spcPct val="150000"/>
+              </a:lnSpc>
+              <a:spcBef>
+                <a:spcPct val="0"/>
+              </a:spcBef>
+              <a:spcAft>
+                <a:spcPct val="0"/>
+              </a:spcAft>
+              <a:buClrTx/>
+              <a:buSzTx/>
+              <a:tabLst/>
+            </a:pPr>
+            <a:r>
+              <a:rPr kumimoji="0" lang="vi-VN" altLang="vi-VN" b="1" i="0" u="none" strike="noStrike" cap="none" normalizeH="0" baseline="0" dirty="0">
+                <a:ln>
+                  <a:noFill/>
+                </a:ln>
+                <a:solidFill>
+                  <a:schemeClr val="tx1"/>
+                </a:solidFill>
+                <a:effectLst/>
+                <a:latin typeface="Roboto Mono" panose="00000009000000000000" pitchFamily="49" charset="0"/>
+                <a:ea typeface="Roboto Mono" panose="00000009000000000000" pitchFamily="49" charset="0"/>
+              </a:rPr>
+              <a:t>7.double: Kiểu dữ liệu double cũng dùng để lưu trữ các số thực, nhưng có độ chính xác cao hơn so với float</a:t>
+            </a:r>
+          </a:p>
+          <a:p>
+            <a:pPr marL="0" marR="0" lvl="0" indent="0" algn="l" defTabSz="914400" rtl="0" eaLnBrk="0" fontAlgn="base" latinLnBrk="0" hangingPunct="0">
+              <a:lnSpc>
+                <a:spcPct val="150000"/>
+              </a:lnSpc>
+              <a:spcBef>
+                <a:spcPct val="0"/>
+              </a:spcBef>
+              <a:spcAft>
+                <a:spcPct val="0"/>
+              </a:spcAft>
+              <a:buClrTx/>
+              <a:buSzTx/>
+              <a:tabLst/>
+            </a:pPr>
+            <a:r>
+              <a:rPr kumimoji="0" lang="vi-VN" altLang="vi-VN" b="1" i="0" u="none" strike="noStrike" cap="none" normalizeH="0" baseline="0" dirty="0">
+                <a:ln>
+                  <a:noFill/>
+                </a:ln>
+                <a:solidFill>
+                  <a:schemeClr val="tx1"/>
+                </a:solidFill>
+                <a:effectLst/>
+                <a:latin typeface="Roboto Mono" panose="00000009000000000000" pitchFamily="49" charset="0"/>
+                <a:ea typeface="Roboto Mono" panose="00000009000000000000" pitchFamily="49" charset="0"/>
+              </a:rPr>
+              <a:t>8.char: Kiểu dữ liệu char dùng để lưu trữ một ký tự Unicode. Ký tự được đặt trong dấu nháy đơn ('').</a:t>
+            </a:r>
+            <a:endParaRPr kumimoji="0" lang="vi-VN" altLang="vi-VN" b="0" i="0" u="none" strike="noStrike" cap="none" normalizeH="0" baseline="0" dirty="0">
+              <a:ln>
+                <a:noFill/>
+              </a:ln>
+              <a:solidFill>
+                <a:schemeClr val="tx1"/>
+              </a:solidFill>
+              <a:effectLst/>
+              <a:latin typeface="Roboto Mono" panose="00000009000000000000" pitchFamily="49" charset="0"/>
+              <a:ea typeface="Roboto Mono" panose="00000009000000000000" pitchFamily="49" charset="0"/>
+            </a:endParaRPr>
+          </a:p>
+        </p:txBody>
+      </p:sp>
+    </p:spTree>
+    <p:extLst>
+      <p:ext uri="{BB962C8B-B14F-4D97-AF65-F5344CB8AC3E}">
+        <p14:creationId xmlns:p14="http://schemas.microsoft.com/office/powerpoint/2010/main" val="988758210"/>
+      </p:ext>
+    </p:extLst>
+  </p:cSld>
+  <p:clrMapOvr>
+    <a:masterClrMapping/>
+  </p:clrMapOvr>
+</p:sld>
+</file>
+
+<file path=ppt/slides/slide6.xml><?xml version="1.0" encoding="utf-8"?>
+<p:sld xmlns:a="http://schemas.openxmlformats.org/drawingml/2006/main" xmlns:r="http://schemas.openxmlformats.org/officeDocument/2006/relationships" xmlns:p="http://schemas.openxmlformats.org/presentationml/2006/main">
+  <p:cSld>
+    <p:spTree>
+      <p:nvGrpSpPr>
+        <p:cNvPr id="1" name="Shape 416"/>
+        <p:cNvGrpSpPr/>
+        <p:nvPr/>
+      </p:nvGrpSpPr>
+      <p:grpSpPr>
+        <a:xfrm>
+          <a:off x="0" y="0"/>
+          <a:ext cx="0" cy="0"/>
+          <a:chOff x="0" y="0"/>
+          <a:chExt cx="0" cy="0"/>
+        </a:xfrm>
+      </p:grpSpPr>
+      <p:sp>
+        <p:nvSpPr>
+          <p:cNvPr id="2" name="TextBox 1">
+            <a:extLst>
+              <a:ext uri="{FF2B5EF4-FFF2-40B4-BE49-F238E27FC236}">
+                <a16:creationId xmlns:a16="http://schemas.microsoft.com/office/drawing/2014/main" id="{E3FCE185-0D50-6E3C-0A4B-9927E31CB7C7}"/>
+              </a:ext>
+            </a:extLst>
+          </p:cNvPr>
+          <p:cNvSpPr txBox="1"/>
+          <p:nvPr/>
+        </p:nvSpPr>
+        <p:spPr>
+          <a:xfrm>
+            <a:off x="5613662" y="2974156"/>
+            <a:ext cx="914400" cy="914400"/>
+          </a:xfrm>
+          <a:prstGeom prst="rect">
+            <a:avLst/>
+          </a:prstGeom>
+          <a:noFill/>
+        </p:spPr>
+        <p:txBody>
+          <a:bodyPr wrap="square" rtlCol="0">
+            <a:spAutoFit/>
+          </a:bodyPr>
+          <a:lstStyle/>
+          <a:p>
+            <a:endParaRPr lang="vi-VN" dirty="0"/>
+          </a:p>
+        </p:txBody>
+      </p:sp>
+      <p:sp>
+        <p:nvSpPr>
+          <p:cNvPr id="8" name="Google Shape;381;p22">
+            <a:extLst>
+              <a:ext uri="{FF2B5EF4-FFF2-40B4-BE49-F238E27FC236}">
+                <a16:creationId xmlns:a16="http://schemas.microsoft.com/office/drawing/2014/main" id="{08B6F9F3-8E39-98AE-43C3-A18A3A15A8EC}"/>
+              </a:ext>
+            </a:extLst>
+          </p:cNvPr>
+          <p:cNvSpPr txBox="1">
+            <a:spLocks noGrp="1"/>
+          </p:cNvSpPr>
+          <p:nvPr>
+            <p:ph type="subTitle" idx="1"/>
+          </p:nvPr>
+        </p:nvSpPr>
+        <p:spPr>
+          <a:xfrm>
+            <a:off x="1160400" y="1278893"/>
+            <a:ext cx="4935600" cy="798000"/>
+          </a:xfrm>
+          <a:prstGeom prst="rect">
+            <a:avLst/>
+          </a:prstGeom>
+        </p:spPr>
+        <p:txBody>
+          <a:bodyPr spcFirstLastPara="1" wrap="square" lIns="121900" tIns="121900" rIns="121900" bIns="121900" anchor="t" anchorCtr="0">
+            <a:noAutofit/>
+          </a:bodyPr>
+          <a:lstStyle/>
+          <a:p>
+            <a:pPr marL="0" lvl="0" indent="0" algn="l" rtl="0">
+              <a:spcBef>
+                <a:spcPts val="0"/>
+              </a:spcBef>
+              <a:spcAft>
+                <a:spcPts val="2100"/>
+              </a:spcAft>
+              <a:buNone/>
+            </a:pPr>
+            <a:r>
+              <a:rPr lang="vi-VN" dirty="0">
+                <a:solidFill>
+                  <a:schemeClr val="accent1"/>
+                </a:solidFill>
+              </a:rPr>
+              <a:t>2.DataType</a:t>
+            </a:r>
+            <a:endParaRPr dirty="0">
+              <a:solidFill>
+                <a:schemeClr val="accent1"/>
+              </a:solidFill>
+            </a:endParaRPr>
+          </a:p>
+        </p:txBody>
+      </p:sp>
+      <p:sp>
+        <p:nvSpPr>
+          <p:cNvPr id="9" name="TextBox 8">
+            <a:extLst>
+              <a:ext uri="{FF2B5EF4-FFF2-40B4-BE49-F238E27FC236}">
+                <a16:creationId xmlns:a16="http://schemas.microsoft.com/office/drawing/2014/main" id="{56855226-A937-E460-9009-9131514EE1BA}"/>
+              </a:ext>
+            </a:extLst>
+          </p:cNvPr>
+          <p:cNvSpPr txBox="1"/>
+          <p:nvPr/>
+        </p:nvSpPr>
+        <p:spPr>
+          <a:xfrm>
+            <a:off x="1513002" y="1836355"/>
+            <a:ext cx="8201320" cy="369332"/>
+          </a:xfrm>
+          <a:prstGeom prst="rect">
+            <a:avLst/>
+          </a:prstGeom>
+          <a:noFill/>
+        </p:spPr>
+        <p:txBody>
+          <a:bodyPr wrap="square" rtlCol="0">
+            <a:spAutoFit/>
+          </a:bodyPr>
+          <a:lstStyle/>
+          <a:p>
+            <a:r>
+              <a:rPr lang="vi-VN" sz="1800" b="1" i="1" u="sng" dirty="0">
+                <a:solidFill>
+                  <a:schemeClr val="tx1"/>
+                </a:solidFill>
+                <a:latin typeface="Roboto Mono" panose="00000009000000000000" pitchFamily="49" charset="0"/>
+                <a:ea typeface="Roboto Mono" panose="00000009000000000000" pitchFamily="49" charset="0"/>
+              </a:rPr>
+              <a:t>2.2 Wrapper</a:t>
+            </a:r>
+          </a:p>
+        </p:txBody>
+      </p:sp>
+      <p:sp>
+        <p:nvSpPr>
+          <p:cNvPr id="6" name="Rectangle 2">
+            <a:extLst>
+              <a:ext uri="{FF2B5EF4-FFF2-40B4-BE49-F238E27FC236}">
+                <a16:creationId xmlns:a16="http://schemas.microsoft.com/office/drawing/2014/main" id="{27173A15-D599-449C-714F-C0C6F3B4D8AF}"/>
+              </a:ext>
+            </a:extLst>
+          </p:cNvPr>
+          <p:cNvSpPr>
+            <a:spLocks noChangeArrowheads="1"/>
+          </p:cNvSpPr>
+          <p:nvPr/>
+        </p:nvSpPr>
+        <p:spPr bwMode="auto">
+          <a:xfrm>
+            <a:off x="2148699" y="2145755"/>
+            <a:ext cx="8441356" cy="1656802"/>
+          </a:xfrm>
+          <a:prstGeom prst="rect">
+            <a:avLst/>
+          </a:prstGeom>
+          <a:noFill/>
+          <a:ln>
+            <a:noFill/>
+          </a:ln>
+          <a:effectLst/>
+        </p:spPr>
+        <p:txBody>
+          <a:bodyPr vert="horz" wrap="square" lIns="0" tIns="198375" rIns="0" bIns="198375" numCol="1" anchor="ctr" anchorCtr="0" compatLnSpc="1">
+            <a:prstTxWarp prst="textNoShape">
+              <a:avLst/>
+            </a:prstTxWarp>
+            <a:spAutoFit/>
+          </a:bodyPr>
+          <a:lstStyle/>
+          <a:p>
+            <a:pPr marL="0" marR="0" lvl="0" indent="0" algn="l" defTabSz="914400" rtl="0" eaLnBrk="0" fontAlgn="base" latinLnBrk="0" hangingPunct="0">
+              <a:lnSpc>
+                <a:spcPct val="150000"/>
+              </a:lnSpc>
+              <a:spcBef>
+                <a:spcPct val="0"/>
+              </a:spcBef>
+              <a:spcAft>
+                <a:spcPct val="0"/>
+              </a:spcAft>
+              <a:buClrTx/>
+              <a:buSzTx/>
+              <a:tabLst/>
+            </a:pPr>
+            <a:r>
+              <a:rPr lang="vi-VN" altLang="vi-VN" dirty="0">
+                <a:solidFill>
+                  <a:schemeClr val="tx1"/>
+                </a:solidFill>
+                <a:latin typeface="Roboto Mono" panose="00000009000000000000" pitchFamily="49" charset="0"/>
+                <a:ea typeface="Roboto Mono" panose="00000009000000000000" pitchFamily="49" charset="0"/>
+              </a:rPr>
+              <a:t>Kiểu dữ liệu Wrapper (Wrapper data types) được sử dụng để đóng gói (wrap) các kiểu dữ liệu nguyên thủy vào trong các đối tượng. Các lớp Wrapper cung cấp các phương thức và thuộc tính để làm việc với các giá trị nguyên thủy như các đối tượng.</a:t>
+            </a:r>
+            <a:endParaRPr kumimoji="0" lang="vi-VN" altLang="vi-VN" b="0" i="0" u="none" strike="noStrike" cap="none" normalizeH="0" baseline="0" dirty="0">
+              <a:ln>
+                <a:noFill/>
+              </a:ln>
+              <a:solidFill>
+                <a:schemeClr val="tx1"/>
+              </a:solidFill>
+              <a:effectLst/>
+              <a:latin typeface="Roboto Mono" panose="00000009000000000000" pitchFamily="49" charset="0"/>
+              <a:ea typeface="Roboto Mono" panose="00000009000000000000" pitchFamily="49" charset="0"/>
+            </a:endParaRPr>
+          </a:p>
+        </p:txBody>
+      </p:sp>
+      <p:sp>
+        <p:nvSpPr>
+          <p:cNvPr id="3" name="TextBox 2">
+            <a:extLst>
+              <a:ext uri="{FF2B5EF4-FFF2-40B4-BE49-F238E27FC236}">
+                <a16:creationId xmlns:a16="http://schemas.microsoft.com/office/drawing/2014/main" id="{5F7E551F-6184-FABA-4E08-2F31189F2CC5}"/>
+              </a:ext>
+            </a:extLst>
+          </p:cNvPr>
+          <p:cNvSpPr txBox="1"/>
+          <p:nvPr/>
+        </p:nvSpPr>
+        <p:spPr>
+          <a:xfrm>
+            <a:off x="2063858" y="3842135"/>
+            <a:ext cx="8315054" cy="307777"/>
+          </a:xfrm>
+          <a:prstGeom prst="rect">
+            <a:avLst/>
+          </a:prstGeom>
+          <a:noFill/>
+        </p:spPr>
+        <p:txBody>
+          <a:bodyPr wrap="square" rtlCol="0">
+            <a:spAutoFit/>
+          </a:bodyPr>
+          <a:lstStyle/>
+          <a:p>
+            <a:r>
+              <a:rPr lang="vi-VN" dirty="0">
+                <a:solidFill>
+                  <a:schemeClr val="tx1"/>
+                </a:solidFill>
+                <a:latin typeface="Roboto Mono" panose="00000009000000000000" pitchFamily="49" charset="0"/>
+                <a:ea typeface="Roboto Mono" panose="00000009000000000000" pitchFamily="49" charset="0"/>
+              </a:rPr>
+              <a:t>Ví dụ: Integer number = new Integer(10);</a:t>
+            </a:r>
+          </a:p>
+        </p:txBody>
+      </p:sp>
+    </p:spTree>
+    <p:extLst>
+      <p:ext uri="{BB962C8B-B14F-4D97-AF65-F5344CB8AC3E}">
+        <p14:creationId xmlns:p14="http://schemas.microsoft.com/office/powerpoint/2010/main" val="713092322"/>
+      </p:ext>
+    </p:extLst>
+  </p:cSld>
+  <p:clrMapOvr>
+    <a:masterClrMapping/>
+  </p:clrMapOvr>
+</p:sld>
+</file>
+
+<file path=ppt/slides/slide7.xml><?xml version="1.0" encoding="utf-8"?>
+<p:sld xmlns:a="http://schemas.openxmlformats.org/drawingml/2006/main" xmlns:r="http://schemas.openxmlformats.org/officeDocument/2006/relationships" xmlns:p="http://schemas.openxmlformats.org/presentationml/2006/main">
+  <p:cSld>
+    <p:spTree>
+      <p:nvGrpSpPr>
+        <p:cNvPr id="1" name="Shape 416"/>
+        <p:cNvGrpSpPr/>
+        <p:nvPr/>
+      </p:nvGrpSpPr>
+      <p:grpSpPr>
+        <a:xfrm>
+          <a:off x="0" y="0"/>
+          <a:ext cx="0" cy="0"/>
+          <a:chOff x="0" y="0"/>
+          <a:chExt cx="0" cy="0"/>
+        </a:xfrm>
+      </p:grpSpPr>
+      <p:sp>
+        <p:nvSpPr>
+          <p:cNvPr id="2" name="TextBox 1">
+            <a:extLst>
+              <a:ext uri="{FF2B5EF4-FFF2-40B4-BE49-F238E27FC236}">
+                <a16:creationId xmlns:a16="http://schemas.microsoft.com/office/drawing/2014/main" id="{E3FCE185-0D50-6E3C-0A4B-9927E31CB7C7}"/>
+              </a:ext>
+            </a:extLst>
+          </p:cNvPr>
+          <p:cNvSpPr txBox="1"/>
+          <p:nvPr/>
+        </p:nvSpPr>
+        <p:spPr>
+          <a:xfrm>
+            <a:off x="5613662" y="2974156"/>
+            <a:ext cx="914400" cy="914400"/>
+          </a:xfrm>
+          <a:prstGeom prst="rect">
+            <a:avLst/>
+          </a:prstGeom>
+          <a:noFill/>
+        </p:spPr>
+        <p:txBody>
+          <a:bodyPr wrap="square" rtlCol="0">
+            <a:spAutoFit/>
+          </a:bodyPr>
+          <a:lstStyle/>
+          <a:p>
+            <a:endParaRPr lang="vi-VN" dirty="0"/>
+          </a:p>
+        </p:txBody>
+      </p:sp>
+      <p:sp>
+        <p:nvSpPr>
+          <p:cNvPr id="8" name="Google Shape;381;p22">
+            <a:extLst>
+              <a:ext uri="{FF2B5EF4-FFF2-40B4-BE49-F238E27FC236}">
+                <a16:creationId xmlns:a16="http://schemas.microsoft.com/office/drawing/2014/main" id="{08B6F9F3-8E39-98AE-43C3-A18A3A15A8EC}"/>
+              </a:ext>
+            </a:extLst>
+          </p:cNvPr>
+          <p:cNvSpPr txBox="1">
+            <a:spLocks noGrp="1"/>
+          </p:cNvSpPr>
+          <p:nvPr>
+            <p:ph type="subTitle" idx="1"/>
+          </p:nvPr>
+        </p:nvSpPr>
+        <p:spPr>
+          <a:xfrm>
+            <a:off x="1160400" y="1102685"/>
+            <a:ext cx="4935600" cy="798000"/>
+          </a:xfrm>
+          <a:prstGeom prst="rect">
+            <a:avLst/>
+          </a:prstGeom>
+        </p:spPr>
+        <p:txBody>
+          <a:bodyPr spcFirstLastPara="1" wrap="square" lIns="121900" tIns="121900" rIns="121900" bIns="121900" anchor="t" anchorCtr="0">
+            <a:noAutofit/>
+          </a:bodyPr>
+          <a:lstStyle/>
+          <a:p>
+            <a:pPr marL="0" lvl="0" indent="0" algn="l" rtl="0">
+              <a:spcBef>
+                <a:spcPts val="0"/>
+              </a:spcBef>
+              <a:spcAft>
+                <a:spcPts val="2100"/>
+              </a:spcAft>
+              <a:buNone/>
+            </a:pPr>
+            <a:r>
+              <a:rPr lang="vi-VN" dirty="0">
+                <a:solidFill>
+                  <a:schemeClr val="accent1"/>
+                </a:solidFill>
+              </a:rPr>
+              <a:t>2.DataType</a:t>
+            </a:r>
+            <a:endParaRPr dirty="0">
+              <a:solidFill>
+                <a:schemeClr val="accent1"/>
+              </a:solidFill>
+            </a:endParaRPr>
+          </a:p>
+        </p:txBody>
+      </p:sp>
+      <p:sp>
+        <p:nvSpPr>
+          <p:cNvPr id="9" name="TextBox 8">
+            <a:extLst>
+              <a:ext uri="{FF2B5EF4-FFF2-40B4-BE49-F238E27FC236}">
+                <a16:creationId xmlns:a16="http://schemas.microsoft.com/office/drawing/2014/main" id="{56855226-A937-E460-9009-9131514EE1BA}"/>
+              </a:ext>
+            </a:extLst>
+          </p:cNvPr>
+          <p:cNvSpPr txBox="1"/>
+          <p:nvPr/>
+        </p:nvSpPr>
+        <p:spPr>
+          <a:xfrm>
+            <a:off x="1447014" y="1651689"/>
+            <a:ext cx="8201320" cy="369332"/>
+          </a:xfrm>
+          <a:prstGeom prst="rect">
+            <a:avLst/>
+          </a:prstGeom>
+          <a:noFill/>
+        </p:spPr>
+        <p:txBody>
+          <a:bodyPr wrap="square" rtlCol="0">
+            <a:spAutoFit/>
+          </a:bodyPr>
+          <a:lstStyle/>
+          <a:p>
+            <a:r>
+              <a:rPr lang="vi-VN" sz="1800" b="1" i="1" u="sng" dirty="0">
+                <a:solidFill>
+                  <a:schemeClr val="tx1"/>
+                </a:solidFill>
+                <a:latin typeface="Roboto Mono" panose="00000009000000000000" pitchFamily="49" charset="0"/>
+                <a:ea typeface="Roboto Mono" panose="00000009000000000000" pitchFamily="49" charset="0"/>
+              </a:rPr>
+              <a:t>2.3 Sự khác nhau giữ Primitive và Wrapper</a:t>
+            </a:r>
+          </a:p>
+        </p:txBody>
+      </p:sp>
+      <p:sp>
+        <p:nvSpPr>
+          <p:cNvPr id="6" name="Rectangle 2">
+            <a:extLst>
+              <a:ext uri="{FF2B5EF4-FFF2-40B4-BE49-F238E27FC236}">
+                <a16:creationId xmlns:a16="http://schemas.microsoft.com/office/drawing/2014/main" id="{27173A15-D599-449C-714F-C0C6F3B4D8AF}"/>
+              </a:ext>
+            </a:extLst>
+          </p:cNvPr>
+          <p:cNvSpPr>
+            <a:spLocks noChangeArrowheads="1"/>
+          </p:cNvSpPr>
+          <p:nvPr/>
+        </p:nvSpPr>
+        <p:spPr bwMode="auto">
+          <a:xfrm>
+            <a:off x="989814" y="2159520"/>
+            <a:ext cx="9755172" cy="3272629"/>
+          </a:xfrm>
+          <a:prstGeom prst="rect">
+            <a:avLst/>
+          </a:prstGeom>
+          <a:noFill/>
+          <a:ln>
+            <a:noFill/>
+          </a:ln>
+          <a:effectLst/>
+        </p:spPr>
+        <p:txBody>
+          <a:bodyPr vert="horz" wrap="square" lIns="0" tIns="198375" rIns="0" bIns="198375" numCol="1" anchor="ctr" anchorCtr="0" compatLnSpc="1">
+            <a:prstTxWarp prst="textNoShape">
+              <a:avLst/>
+            </a:prstTxWarp>
+            <a:spAutoFit/>
+          </a:bodyPr>
+          <a:lstStyle/>
+          <a:p>
+            <a:pPr marL="0" marR="0" lvl="0" indent="0" algn="l" defTabSz="914400" rtl="0" eaLnBrk="0" fontAlgn="base" latinLnBrk="0" hangingPunct="0">
+              <a:lnSpc>
+                <a:spcPct val="150000"/>
+              </a:lnSpc>
+              <a:spcBef>
+                <a:spcPct val="0"/>
+              </a:spcBef>
+              <a:spcAft>
+                <a:spcPct val="0"/>
+              </a:spcAft>
+              <a:buClrTx/>
+              <a:buSzTx/>
+              <a:tabLst/>
+            </a:pPr>
+            <a:r>
+              <a:rPr lang="vi-VN" altLang="vi-VN" dirty="0">
+                <a:solidFill>
+                  <a:schemeClr val="tx1"/>
+                </a:solidFill>
+                <a:latin typeface="Roboto Mono" panose="00000009000000000000" pitchFamily="49" charset="0"/>
+                <a:ea typeface="Roboto Mono" panose="00000009000000000000" pitchFamily="49" charset="0"/>
+              </a:rPr>
+              <a:t>Kiểu dữ liệu </a:t>
+            </a:r>
+            <a:r>
+              <a:rPr lang="vi-VN" sz="1400" b="1" i="1" u="sng" dirty="0">
+                <a:solidFill>
+                  <a:schemeClr val="tx1"/>
+                </a:solidFill>
+                <a:latin typeface="Roboto Mono" panose="00000009000000000000" pitchFamily="49" charset="0"/>
+                <a:ea typeface="Roboto Mono" panose="00000009000000000000" pitchFamily="49" charset="0"/>
+              </a:rPr>
+              <a:t>Primitive</a:t>
+            </a:r>
+            <a:r>
+              <a:rPr lang="vi-VN" altLang="vi-VN" dirty="0">
+                <a:solidFill>
+                  <a:schemeClr val="tx1"/>
+                </a:solidFill>
+                <a:latin typeface="Roboto Mono" panose="00000009000000000000" pitchFamily="49" charset="0"/>
+                <a:ea typeface="Roboto Mono" panose="00000009000000000000" pitchFamily="49" charset="0"/>
+              </a:rPr>
+              <a:t> đại diện cho giá trị cơ bản, trong khi kiểu dữ liệu </a:t>
+            </a:r>
+            <a:r>
+              <a:rPr lang="vi-VN" sz="1400" b="1" i="1" u="sng" dirty="0">
+                <a:solidFill>
+                  <a:schemeClr val="tx1"/>
+                </a:solidFill>
+                <a:latin typeface="Roboto Mono" panose="00000009000000000000" pitchFamily="49" charset="0"/>
+                <a:ea typeface="Roboto Mono" panose="00000009000000000000" pitchFamily="49" charset="0"/>
+              </a:rPr>
+              <a:t>Wrapper</a:t>
+            </a:r>
+            <a:r>
+              <a:rPr lang="vi-VN" altLang="vi-VN" dirty="0">
+                <a:solidFill>
+                  <a:schemeClr val="tx1"/>
+                </a:solidFill>
+                <a:latin typeface="Roboto Mono" panose="00000009000000000000" pitchFamily="49" charset="0"/>
+                <a:ea typeface="Roboto Mono" panose="00000009000000000000" pitchFamily="49" charset="0"/>
+              </a:rPr>
+              <a:t> đóng gói kiểu nguyên thủy vào trong đối tượng.</a:t>
+            </a:r>
+          </a:p>
+          <a:p>
+            <a:pPr marL="0" marR="0" lvl="0" indent="0" algn="l" defTabSz="914400" rtl="0" eaLnBrk="0" fontAlgn="base" latinLnBrk="0" hangingPunct="0">
+              <a:lnSpc>
+                <a:spcPct val="150000"/>
+              </a:lnSpc>
+              <a:spcBef>
+                <a:spcPct val="0"/>
+              </a:spcBef>
+              <a:spcAft>
+                <a:spcPct val="0"/>
+              </a:spcAft>
+              <a:buClrTx/>
+              <a:buSzTx/>
+              <a:tabLst/>
+            </a:pPr>
+            <a:r>
+              <a:rPr lang="vi-VN" altLang="vi-VN" dirty="0">
+                <a:solidFill>
+                  <a:schemeClr val="tx1"/>
+                </a:solidFill>
+                <a:latin typeface="Roboto Mono" panose="00000009000000000000" pitchFamily="49" charset="0"/>
+                <a:ea typeface="Roboto Mono" panose="00000009000000000000" pitchFamily="49" charset="0"/>
+              </a:rPr>
+              <a:t>Kiểu dữ liệu </a:t>
+            </a:r>
+            <a:r>
+              <a:rPr lang="vi-VN" sz="1400" b="1" i="1" u="sng" dirty="0">
+                <a:solidFill>
+                  <a:schemeClr val="tx1"/>
+                </a:solidFill>
+                <a:latin typeface="Roboto Mono" panose="00000009000000000000" pitchFamily="49" charset="0"/>
+                <a:ea typeface="Roboto Mono" panose="00000009000000000000" pitchFamily="49" charset="0"/>
+              </a:rPr>
+              <a:t>Primitive</a:t>
+            </a:r>
+            <a:r>
+              <a:rPr lang="vi-VN" altLang="vi-VN" dirty="0">
+                <a:solidFill>
+                  <a:schemeClr val="tx1"/>
+                </a:solidFill>
+                <a:latin typeface="Roboto Mono" panose="00000009000000000000" pitchFamily="49" charset="0"/>
+                <a:ea typeface="Roboto Mono" panose="00000009000000000000" pitchFamily="49" charset="0"/>
+              </a:rPr>
+              <a:t> lưu trữ giá trị trực tiếp, trong khi kiểu dữ liệu </a:t>
+            </a:r>
+            <a:r>
+              <a:rPr lang="vi-VN" sz="1400" b="1" i="1" u="sng" dirty="0">
+                <a:solidFill>
+                  <a:schemeClr val="tx1"/>
+                </a:solidFill>
+                <a:latin typeface="Roboto Mono" panose="00000009000000000000" pitchFamily="49" charset="0"/>
+                <a:ea typeface="Roboto Mono" panose="00000009000000000000" pitchFamily="49" charset="0"/>
+              </a:rPr>
+              <a:t>Wrapper</a:t>
+            </a:r>
+            <a:r>
+              <a:rPr lang="vi-VN" altLang="vi-VN" dirty="0">
+                <a:solidFill>
+                  <a:schemeClr val="tx1"/>
+                </a:solidFill>
+                <a:latin typeface="Roboto Mono" panose="00000009000000000000" pitchFamily="49" charset="0"/>
+                <a:ea typeface="Roboto Mono" panose="00000009000000000000" pitchFamily="49" charset="0"/>
+              </a:rPr>
+              <a:t> lưu trữ tham chiếu đến đối tượng.</a:t>
+            </a:r>
+          </a:p>
+          <a:p>
+            <a:pPr marL="0" marR="0" lvl="0" indent="0" algn="l" defTabSz="914400" rtl="0" eaLnBrk="0" fontAlgn="base" latinLnBrk="0" hangingPunct="0">
+              <a:lnSpc>
+                <a:spcPct val="150000"/>
+              </a:lnSpc>
+              <a:spcBef>
+                <a:spcPct val="0"/>
+              </a:spcBef>
+              <a:spcAft>
+                <a:spcPct val="0"/>
+              </a:spcAft>
+              <a:buClrTx/>
+              <a:buSzTx/>
+              <a:tabLst/>
+            </a:pPr>
+            <a:r>
+              <a:rPr lang="vi-VN" altLang="vi-VN" dirty="0">
+                <a:solidFill>
+                  <a:schemeClr val="tx1"/>
+                </a:solidFill>
+                <a:latin typeface="Roboto Mono" panose="00000009000000000000" pitchFamily="49" charset="0"/>
+                <a:ea typeface="Roboto Mono" panose="00000009000000000000" pitchFamily="49" charset="0"/>
+              </a:rPr>
+              <a:t>Kiểu dữ liệu </a:t>
+            </a:r>
+            <a:r>
+              <a:rPr lang="vi-VN" sz="1400" b="1" i="1" u="sng" dirty="0">
+                <a:solidFill>
+                  <a:schemeClr val="tx1"/>
+                </a:solidFill>
+                <a:latin typeface="Roboto Mono" panose="00000009000000000000" pitchFamily="49" charset="0"/>
+                <a:ea typeface="Roboto Mono" panose="00000009000000000000" pitchFamily="49" charset="0"/>
+              </a:rPr>
+              <a:t>Primitive </a:t>
+            </a:r>
+            <a:r>
+              <a:rPr lang="vi-VN" altLang="vi-VN" dirty="0">
+                <a:solidFill>
+                  <a:schemeClr val="tx1"/>
+                </a:solidFill>
+                <a:latin typeface="Roboto Mono" panose="00000009000000000000" pitchFamily="49" charset="0"/>
+                <a:ea typeface="Roboto Mono" panose="00000009000000000000" pitchFamily="49" charset="0"/>
+              </a:rPr>
+              <a:t>không chấp nhận giá trị null, trong khi kiểu dữ liệu </a:t>
+            </a:r>
+            <a:r>
+              <a:rPr lang="vi-VN" sz="1400" b="1" i="1" u="sng" dirty="0">
+                <a:solidFill>
+                  <a:schemeClr val="tx1"/>
+                </a:solidFill>
+                <a:latin typeface="Roboto Mono" panose="00000009000000000000" pitchFamily="49" charset="0"/>
+                <a:ea typeface="Roboto Mono" panose="00000009000000000000" pitchFamily="49" charset="0"/>
+              </a:rPr>
+              <a:t>Wrapper</a:t>
+            </a:r>
+            <a:r>
+              <a:rPr lang="vi-VN" altLang="vi-VN" dirty="0">
+                <a:solidFill>
+                  <a:schemeClr val="tx1"/>
+                </a:solidFill>
+                <a:latin typeface="Roboto Mono" panose="00000009000000000000" pitchFamily="49" charset="0"/>
+                <a:ea typeface="Roboto Mono" panose="00000009000000000000" pitchFamily="49" charset="0"/>
+              </a:rPr>
+              <a:t> có thể chứa giá trị null.</a:t>
+            </a:r>
+          </a:p>
+          <a:p>
+            <a:pPr marL="0" marR="0" lvl="0" indent="0" algn="l" defTabSz="914400" rtl="0" eaLnBrk="0" fontAlgn="base" latinLnBrk="0" hangingPunct="0">
+              <a:lnSpc>
+                <a:spcPct val="150000"/>
+              </a:lnSpc>
+              <a:spcBef>
+                <a:spcPct val="0"/>
+              </a:spcBef>
+              <a:spcAft>
+                <a:spcPct val="0"/>
+              </a:spcAft>
+              <a:buClrTx/>
+              <a:buSzTx/>
+              <a:tabLst/>
+            </a:pPr>
+            <a:r>
+              <a:rPr lang="vi-VN" altLang="vi-VN" dirty="0">
+                <a:solidFill>
+                  <a:schemeClr val="tx1"/>
+                </a:solidFill>
+                <a:latin typeface="Roboto Mono" panose="00000009000000000000" pitchFamily="49" charset="0"/>
+                <a:ea typeface="Roboto Mono" panose="00000009000000000000" pitchFamily="49" charset="0"/>
+              </a:rPr>
+              <a:t>Kiểu dữ liệu </a:t>
+            </a:r>
+            <a:r>
+              <a:rPr lang="vi-VN" sz="1400" b="1" i="1" u="sng" dirty="0">
+                <a:solidFill>
+                  <a:schemeClr val="tx1"/>
+                </a:solidFill>
+                <a:latin typeface="Roboto Mono" panose="00000009000000000000" pitchFamily="49" charset="0"/>
+                <a:ea typeface="Roboto Mono" panose="00000009000000000000" pitchFamily="49" charset="0"/>
+              </a:rPr>
+              <a:t>Primitive</a:t>
+            </a:r>
+            <a:r>
+              <a:rPr lang="vi-VN" altLang="vi-VN" dirty="0">
+                <a:solidFill>
+                  <a:schemeClr val="tx1"/>
+                </a:solidFill>
+                <a:latin typeface="Roboto Mono" panose="00000009000000000000" pitchFamily="49" charset="0"/>
+                <a:ea typeface="Roboto Mono" panose="00000009000000000000" pitchFamily="49" charset="0"/>
+              </a:rPr>
+              <a:t> hỗ trợ các phép toán trực tiếp, trong khi kiểu dữ liệu </a:t>
+            </a:r>
+            <a:r>
+              <a:rPr lang="vi-VN" sz="1400" b="1" i="1" u="sng" dirty="0">
+                <a:solidFill>
+                  <a:schemeClr val="tx1"/>
+                </a:solidFill>
+                <a:latin typeface="Roboto Mono" panose="00000009000000000000" pitchFamily="49" charset="0"/>
+                <a:ea typeface="Roboto Mono" panose="00000009000000000000" pitchFamily="49" charset="0"/>
+              </a:rPr>
+              <a:t>Wrapper</a:t>
+            </a:r>
+            <a:r>
+              <a:rPr lang="vi-VN" altLang="vi-VN" dirty="0">
+                <a:solidFill>
+                  <a:schemeClr val="tx1"/>
+                </a:solidFill>
+                <a:latin typeface="Roboto Mono" panose="00000009000000000000" pitchFamily="49" charset="0"/>
+                <a:ea typeface="Roboto Mono" panose="00000009000000000000" pitchFamily="49" charset="0"/>
+              </a:rPr>
+              <a:t> cung cấp phương thức và thuộc tính để làm việc với giá trị.</a:t>
+            </a:r>
+          </a:p>
+          <a:p>
+            <a:pPr marL="0" marR="0" lvl="0" indent="0" algn="l" defTabSz="914400" rtl="0" eaLnBrk="0" fontAlgn="base" latinLnBrk="0" hangingPunct="0">
+              <a:lnSpc>
+                <a:spcPct val="150000"/>
+              </a:lnSpc>
+              <a:spcBef>
+                <a:spcPct val="0"/>
+              </a:spcBef>
+              <a:spcAft>
+                <a:spcPct val="0"/>
+              </a:spcAft>
+              <a:buClrTx/>
+              <a:buSzTx/>
+              <a:tabLst/>
+            </a:pPr>
+            <a:r>
+              <a:rPr lang="vi-VN" altLang="vi-VN" dirty="0">
+                <a:solidFill>
+                  <a:schemeClr val="tx1"/>
+                </a:solidFill>
+                <a:latin typeface="Roboto Mono" panose="00000009000000000000" pitchFamily="49" charset="0"/>
+                <a:ea typeface="Roboto Mono" panose="00000009000000000000" pitchFamily="49" charset="0"/>
+              </a:rPr>
+              <a:t>Kiểu dữ liệu </a:t>
+            </a:r>
+            <a:r>
+              <a:rPr lang="vi-VN" sz="1400" b="1" i="1" u="sng" dirty="0">
+                <a:solidFill>
+                  <a:schemeClr val="tx1"/>
+                </a:solidFill>
+                <a:latin typeface="Roboto Mono" panose="00000009000000000000" pitchFamily="49" charset="0"/>
+                <a:ea typeface="Roboto Mono" panose="00000009000000000000" pitchFamily="49" charset="0"/>
+              </a:rPr>
+              <a:t>Primitive </a:t>
+            </a:r>
+            <a:r>
+              <a:rPr lang="vi-VN" altLang="vi-VN" dirty="0">
+                <a:solidFill>
+                  <a:schemeClr val="tx1"/>
+                </a:solidFill>
+                <a:latin typeface="Roboto Mono" panose="00000009000000000000" pitchFamily="49" charset="0"/>
+                <a:ea typeface="Roboto Mono" panose="00000009000000000000" pitchFamily="49" charset="0"/>
+              </a:rPr>
+              <a:t>sử dụng ít bộ nhớ hơn và thích hợp cho hiệu suất cao</a:t>
+            </a:r>
+            <a:endParaRPr kumimoji="0" lang="vi-VN" altLang="vi-VN" b="0" i="0" u="none" strike="noStrike" cap="none" normalizeH="0" baseline="0" dirty="0">
+              <a:ln>
+                <a:noFill/>
+              </a:ln>
+              <a:solidFill>
+                <a:schemeClr val="tx1"/>
+              </a:solidFill>
+              <a:effectLst/>
+              <a:latin typeface="Roboto Mono" panose="00000009000000000000" pitchFamily="49" charset="0"/>
+              <a:ea typeface="Roboto Mono" panose="00000009000000000000" pitchFamily="49" charset="0"/>
+            </a:endParaRPr>
+          </a:p>
+        </p:txBody>
+      </p:sp>
+    </p:spTree>
+    <p:extLst>
+      <p:ext uri="{BB962C8B-B14F-4D97-AF65-F5344CB8AC3E}">
+        <p14:creationId xmlns:p14="http://schemas.microsoft.com/office/powerpoint/2010/main" val="419396653"/>
+      </p:ext>
+    </p:extLst>
+  </p:cSld>
+  <p:clrMapOvr>
+    <a:masterClrMapping/>
+  </p:clrMapOvr>
+</p:sld>
+</file>
+
+<file path=ppt/slides/slide8.xml><?xml version="1.0" encoding="utf-8"?>
+<p:sld xmlns:a="http://schemas.openxmlformats.org/drawingml/2006/main" xmlns:r="http://schemas.openxmlformats.org/officeDocument/2006/relationships" xmlns:p="http://schemas.openxmlformats.org/presentationml/2006/main">
+  <p:cSld>
+    <p:spTree>
+      <p:nvGrpSpPr>
+        <p:cNvPr id="1" name="Shape 416"/>
+        <p:cNvGrpSpPr/>
+        <p:nvPr/>
+      </p:nvGrpSpPr>
+      <p:grpSpPr>
+        <a:xfrm>
+          <a:off x="0" y="0"/>
+          <a:ext cx="0" cy="0"/>
+          <a:chOff x="0" y="0"/>
+          <a:chExt cx="0" cy="0"/>
+        </a:xfrm>
+      </p:grpSpPr>
+      <p:sp>
+        <p:nvSpPr>
+          <p:cNvPr id="2" name="TextBox 1">
+            <a:extLst>
+              <a:ext uri="{FF2B5EF4-FFF2-40B4-BE49-F238E27FC236}">
+                <a16:creationId xmlns:a16="http://schemas.microsoft.com/office/drawing/2014/main" id="{E3FCE185-0D50-6E3C-0A4B-9927E31CB7C7}"/>
+              </a:ext>
+            </a:extLst>
+          </p:cNvPr>
+          <p:cNvSpPr txBox="1"/>
+          <p:nvPr/>
+        </p:nvSpPr>
+        <p:spPr>
+          <a:xfrm>
+            <a:off x="5613662" y="2974156"/>
+            <a:ext cx="914400" cy="914400"/>
+          </a:xfrm>
+          <a:prstGeom prst="rect">
+            <a:avLst/>
+          </a:prstGeom>
+          <a:noFill/>
+        </p:spPr>
+        <p:txBody>
+          <a:bodyPr wrap="square" rtlCol="0">
+            <a:spAutoFit/>
+          </a:bodyPr>
+          <a:lstStyle/>
+          <a:p>
+            <a:endParaRPr lang="vi-VN" dirty="0"/>
+          </a:p>
+        </p:txBody>
+      </p:sp>
+      <p:sp>
+        <p:nvSpPr>
+          <p:cNvPr id="8" name="Google Shape;381;p22">
+            <a:extLst>
+              <a:ext uri="{FF2B5EF4-FFF2-40B4-BE49-F238E27FC236}">
+                <a16:creationId xmlns:a16="http://schemas.microsoft.com/office/drawing/2014/main" id="{08B6F9F3-8E39-98AE-43C3-A18A3A15A8EC}"/>
+              </a:ext>
+            </a:extLst>
+          </p:cNvPr>
+          <p:cNvSpPr txBox="1">
+            <a:spLocks noGrp="1"/>
+          </p:cNvSpPr>
+          <p:nvPr>
+            <p:ph type="subTitle" idx="1"/>
+          </p:nvPr>
+        </p:nvSpPr>
+        <p:spPr>
+          <a:xfrm>
+            <a:off x="1160400" y="1278893"/>
+            <a:ext cx="4935600" cy="798000"/>
+          </a:xfrm>
+          <a:prstGeom prst="rect">
+            <a:avLst/>
+          </a:prstGeom>
+        </p:spPr>
+        <p:txBody>
+          <a:bodyPr spcFirstLastPara="1" wrap="square" lIns="121900" tIns="121900" rIns="121900" bIns="121900" anchor="t" anchorCtr="0">
+            <a:noAutofit/>
+          </a:bodyPr>
+          <a:lstStyle/>
+          <a:p>
+            <a:pPr marL="0" lvl="0" indent="0" algn="l" rtl="0">
+              <a:spcBef>
+                <a:spcPts val="0"/>
+              </a:spcBef>
+              <a:spcAft>
+                <a:spcPts val="2100"/>
+              </a:spcAft>
+              <a:buNone/>
+            </a:pPr>
+            <a:r>
+              <a:rPr lang="vi-VN" dirty="0">
+                <a:solidFill>
+                  <a:schemeClr val="accent1"/>
+                </a:solidFill>
+              </a:rPr>
+              <a:t>2.DataType</a:t>
+            </a:r>
+            <a:endParaRPr dirty="0">
+              <a:solidFill>
+                <a:schemeClr val="accent1"/>
+              </a:solidFill>
+            </a:endParaRPr>
+          </a:p>
+        </p:txBody>
+      </p:sp>
+      <p:sp>
+        <p:nvSpPr>
+          <p:cNvPr id="9" name="TextBox 8">
+            <a:extLst>
+              <a:ext uri="{FF2B5EF4-FFF2-40B4-BE49-F238E27FC236}">
+                <a16:creationId xmlns:a16="http://schemas.microsoft.com/office/drawing/2014/main" id="{56855226-A937-E460-9009-9131514EE1BA}"/>
+              </a:ext>
+            </a:extLst>
+          </p:cNvPr>
+          <p:cNvSpPr txBox="1"/>
+          <p:nvPr/>
+        </p:nvSpPr>
+        <p:spPr>
+          <a:xfrm>
+            <a:off x="1513002" y="1722263"/>
+            <a:ext cx="8201320" cy="369332"/>
+          </a:xfrm>
+          <a:prstGeom prst="rect">
+            <a:avLst/>
+          </a:prstGeom>
+          <a:noFill/>
+        </p:spPr>
+        <p:txBody>
+          <a:bodyPr wrap="square" rtlCol="0">
+            <a:spAutoFit/>
+          </a:bodyPr>
+          <a:lstStyle/>
+          <a:p>
+            <a:r>
+              <a:rPr lang="vi-VN" sz="1800" b="1" i="1" u="sng" dirty="0">
+                <a:solidFill>
+                  <a:schemeClr val="tx1"/>
+                </a:solidFill>
+                <a:latin typeface="Roboto Mono" panose="00000009000000000000" pitchFamily="49" charset="0"/>
+                <a:ea typeface="Roboto Mono" panose="00000009000000000000" pitchFamily="49" charset="0"/>
+              </a:rPr>
+              <a:t>2.4 When to use ?</a:t>
+            </a:r>
+          </a:p>
+        </p:txBody>
+      </p:sp>
+      <p:sp>
+        <p:nvSpPr>
+          <p:cNvPr id="6" name="Rectangle 2">
+            <a:extLst>
+              <a:ext uri="{FF2B5EF4-FFF2-40B4-BE49-F238E27FC236}">
+                <a16:creationId xmlns:a16="http://schemas.microsoft.com/office/drawing/2014/main" id="{27173A15-D599-449C-714F-C0C6F3B4D8AF}"/>
+              </a:ext>
+            </a:extLst>
+          </p:cNvPr>
+          <p:cNvSpPr>
+            <a:spLocks noChangeArrowheads="1"/>
+          </p:cNvSpPr>
+          <p:nvPr/>
+        </p:nvSpPr>
+        <p:spPr bwMode="auto">
+          <a:xfrm>
+            <a:off x="1912182" y="2222650"/>
+            <a:ext cx="8441356" cy="2626298"/>
+          </a:xfrm>
+          <a:prstGeom prst="rect">
+            <a:avLst/>
+          </a:prstGeom>
+          <a:noFill/>
+          <a:ln>
+            <a:noFill/>
+          </a:ln>
+          <a:effectLst/>
+        </p:spPr>
+        <p:txBody>
+          <a:bodyPr vert="horz" wrap="square" lIns="0" tIns="198375" rIns="0" bIns="198375" numCol="1" anchor="ctr" anchorCtr="0" compatLnSpc="1">
+            <a:prstTxWarp prst="textNoShape">
+              <a:avLst/>
+            </a:prstTxWarp>
+            <a:spAutoFit/>
+          </a:bodyPr>
+          <a:lstStyle/>
+          <a:p>
+            <a:pPr marL="0" marR="0" lvl="0" indent="0" algn="l" defTabSz="914400" rtl="0" eaLnBrk="0" fontAlgn="base" latinLnBrk="0" hangingPunct="0">
+              <a:lnSpc>
+                <a:spcPct val="150000"/>
+              </a:lnSpc>
+              <a:spcBef>
+                <a:spcPct val="0"/>
+              </a:spcBef>
+              <a:spcAft>
+                <a:spcPct val="0"/>
+              </a:spcAft>
+              <a:buClrTx/>
+              <a:buSzTx/>
+              <a:tabLst/>
+            </a:pPr>
+            <a:r>
+              <a:rPr lang="vi-VN" altLang="vi-VN" dirty="0">
+                <a:solidFill>
+                  <a:schemeClr val="tx1"/>
+                </a:solidFill>
+                <a:latin typeface="Roboto Mono" panose="00000009000000000000" pitchFamily="49" charset="0"/>
+                <a:ea typeface="Roboto Mono" panose="00000009000000000000" pitchFamily="49" charset="0"/>
+              </a:rPr>
+              <a:t>1. Cần tối ưu hiệu suất và tiết kiệm bộ nhớ: Kiểu dữ liệu nguyên thủy sử dụng ít bộ nhớ hơn kiểu Wrapper vì không cần đóng gói vào đối tượng.</a:t>
+            </a:r>
+          </a:p>
+          <a:p>
+            <a:pPr marL="0" marR="0" lvl="0" indent="0" algn="l" defTabSz="914400" rtl="0" eaLnBrk="0" fontAlgn="base" latinLnBrk="0" hangingPunct="0">
+              <a:lnSpc>
+                <a:spcPct val="150000"/>
+              </a:lnSpc>
+              <a:spcBef>
+                <a:spcPct val="0"/>
+              </a:spcBef>
+              <a:spcAft>
+                <a:spcPct val="0"/>
+              </a:spcAft>
+              <a:buClrTx/>
+              <a:buSzTx/>
+              <a:tabLst/>
+            </a:pPr>
+            <a:r>
+              <a:rPr lang="vi-VN" altLang="vi-VN" dirty="0">
+                <a:solidFill>
+                  <a:schemeClr val="tx1"/>
+                </a:solidFill>
+                <a:latin typeface="Roboto Mono" panose="00000009000000000000" pitchFamily="49" charset="0"/>
+                <a:ea typeface="Roboto Mono" panose="00000009000000000000" pitchFamily="49" charset="0"/>
+              </a:rPr>
+              <a:t>2. Không cần xử lý giá trị null: Kiểu dữ liệu nguyên thủy không chấp nhận giá 3. trị null, do đó sẽ tiết kiệm được thời gian và công sức kiểm tra giá trị null.</a:t>
+            </a:r>
+          </a:p>
+          <a:p>
+            <a:pPr marL="0" marR="0" lvl="0" indent="0" algn="l" defTabSz="914400" rtl="0" eaLnBrk="0" fontAlgn="base" latinLnBrk="0" hangingPunct="0">
+              <a:lnSpc>
+                <a:spcPct val="150000"/>
+              </a:lnSpc>
+              <a:spcBef>
+                <a:spcPct val="0"/>
+              </a:spcBef>
+              <a:spcAft>
+                <a:spcPct val="0"/>
+              </a:spcAft>
+              <a:buClrTx/>
+              <a:buSzTx/>
+              <a:tabLst/>
+            </a:pPr>
+            <a:r>
+              <a:rPr lang="vi-VN" altLang="vi-VN" dirty="0">
+                <a:solidFill>
+                  <a:schemeClr val="tx1"/>
+                </a:solidFill>
+                <a:latin typeface="Roboto Mono" panose="00000009000000000000" pitchFamily="49" charset="0"/>
+                <a:ea typeface="Roboto Mono" panose="00000009000000000000" pitchFamily="49" charset="0"/>
+              </a:rPr>
+              <a:t>4. Thực hiện các phép toán số học hoặc bitwise: Kiểu dữ liệu nguyên thủy hỗ trợ các phép toán số học và bitwise trực tiếp và hiệu suất cao hơn kiểu Wrapper.</a:t>
+            </a:r>
+            <a:endParaRPr kumimoji="0" lang="vi-VN" altLang="vi-VN" b="0" i="0" u="none" strike="noStrike" cap="none" normalizeH="0" baseline="0" dirty="0">
+              <a:ln>
+                <a:noFill/>
+              </a:ln>
+              <a:solidFill>
+                <a:schemeClr val="tx1"/>
+              </a:solidFill>
+              <a:effectLst/>
+              <a:latin typeface="Roboto Mono" panose="00000009000000000000" pitchFamily="49" charset="0"/>
+              <a:ea typeface="Roboto Mono" panose="00000009000000000000" pitchFamily="49" charset="0"/>
+            </a:endParaRPr>
+          </a:p>
+        </p:txBody>
+      </p:sp>
+      <p:sp>
+        <p:nvSpPr>
+          <p:cNvPr id="3" name="TextBox 2">
+            <a:extLst>
+              <a:ext uri="{FF2B5EF4-FFF2-40B4-BE49-F238E27FC236}">
+                <a16:creationId xmlns:a16="http://schemas.microsoft.com/office/drawing/2014/main" id="{93CDC3AD-5A42-0D24-AA30-371AE4AF2072}"/>
+              </a:ext>
+            </a:extLst>
+          </p:cNvPr>
+          <p:cNvSpPr txBox="1"/>
+          <p:nvPr/>
+        </p:nvSpPr>
+        <p:spPr>
+          <a:xfrm>
+            <a:off x="1832610" y="2037984"/>
+            <a:ext cx="8201320" cy="369332"/>
+          </a:xfrm>
+          <a:prstGeom prst="rect">
+            <a:avLst/>
+          </a:prstGeom>
+          <a:noFill/>
+        </p:spPr>
+        <p:txBody>
+          <a:bodyPr wrap="square" rtlCol="0">
+            <a:spAutoFit/>
+          </a:bodyPr>
+          <a:lstStyle/>
+          <a:p>
+            <a:r>
+              <a:rPr lang="vi-VN" sz="1800" b="1" i="1" u="sng" dirty="0">
+                <a:solidFill>
+                  <a:schemeClr val="tx1"/>
+                </a:solidFill>
+                <a:latin typeface="Roboto Mono" panose="00000009000000000000" pitchFamily="49" charset="0"/>
+                <a:ea typeface="Roboto Mono" panose="00000009000000000000" pitchFamily="49" charset="0"/>
+              </a:rPr>
+              <a:t>2.4.1 Primitive</a:t>
+            </a:r>
+          </a:p>
+        </p:txBody>
+      </p:sp>
+    </p:spTree>
+    <p:extLst>
+      <p:ext uri="{BB962C8B-B14F-4D97-AF65-F5344CB8AC3E}">
+        <p14:creationId xmlns:p14="http://schemas.microsoft.com/office/powerpoint/2010/main" val="2250782971"/>
+      </p:ext>
+    </p:extLst>
+  </p:cSld>
+  <p:clrMapOvr>
+    <a:masterClrMapping/>
+  </p:clrMapOvr>
+</p:sld>
+</file>
+
+<file path=ppt/slides/slide9.xml><?xml version="1.0" encoding="utf-8"?>
+<p:sld xmlns:a="http://schemas.openxmlformats.org/drawingml/2006/main" xmlns:r="http://schemas.openxmlformats.org/officeDocument/2006/relationships" xmlns:p="http://schemas.openxmlformats.org/presentationml/2006/main">
+  <p:cSld>
+    <p:spTree>
+      <p:nvGrpSpPr>
+        <p:cNvPr id="1" name="Shape 416"/>
+        <p:cNvGrpSpPr/>
+        <p:nvPr/>
+      </p:nvGrpSpPr>
+      <p:grpSpPr>
+        <a:xfrm>
+          <a:off x="0" y="0"/>
+          <a:ext cx="0" cy="0"/>
+          <a:chOff x="0" y="0"/>
+          <a:chExt cx="0" cy="0"/>
+        </a:xfrm>
+      </p:grpSpPr>
+      <p:sp>
+        <p:nvSpPr>
+          <p:cNvPr id="2" name="TextBox 1">
+            <a:extLst>
+              <a:ext uri="{FF2B5EF4-FFF2-40B4-BE49-F238E27FC236}">
+                <a16:creationId xmlns:a16="http://schemas.microsoft.com/office/drawing/2014/main" id="{E3FCE185-0D50-6E3C-0A4B-9927E31CB7C7}"/>
+              </a:ext>
+            </a:extLst>
+          </p:cNvPr>
+          <p:cNvSpPr txBox="1"/>
+          <p:nvPr/>
+        </p:nvSpPr>
+        <p:spPr>
+          <a:xfrm>
+            <a:off x="5613662" y="2974156"/>
+            <a:ext cx="914400" cy="914400"/>
+          </a:xfrm>
+          <a:prstGeom prst="rect">
+            <a:avLst/>
+          </a:prstGeom>
+          <a:noFill/>
+        </p:spPr>
+        <p:txBody>
+          <a:bodyPr wrap="square" rtlCol="0">
+            <a:spAutoFit/>
+          </a:bodyPr>
+          <a:lstStyle/>
+          <a:p>
+            <a:endParaRPr lang="vi-VN" dirty="0"/>
+          </a:p>
+        </p:txBody>
+      </p:sp>
+      <p:sp>
+        <p:nvSpPr>
+          <p:cNvPr id="8" name="Google Shape;381;p22">
+            <a:extLst>
+              <a:ext uri="{FF2B5EF4-FFF2-40B4-BE49-F238E27FC236}">
+                <a16:creationId xmlns:a16="http://schemas.microsoft.com/office/drawing/2014/main" id="{08B6F9F3-8E39-98AE-43C3-A18A3A15A8EC}"/>
+              </a:ext>
+            </a:extLst>
+          </p:cNvPr>
+          <p:cNvSpPr txBox="1">
+            <a:spLocks noGrp="1"/>
+          </p:cNvSpPr>
+          <p:nvPr>
+            <p:ph type="subTitle" idx="1"/>
+          </p:nvPr>
+        </p:nvSpPr>
+        <p:spPr>
+          <a:xfrm>
+            <a:off x="1160400" y="1278893"/>
+            <a:ext cx="4935600" cy="798000"/>
+          </a:xfrm>
+          <a:prstGeom prst="rect">
+            <a:avLst/>
+          </a:prstGeom>
+        </p:spPr>
+        <p:txBody>
+          <a:bodyPr spcFirstLastPara="1" wrap="square" lIns="121900" tIns="121900" rIns="121900" bIns="121900" anchor="t" anchorCtr="0">
+            <a:noAutofit/>
+          </a:bodyPr>
+          <a:lstStyle/>
+          <a:p>
+            <a:pPr marL="0" lvl="0" indent="0" algn="l" rtl="0">
+              <a:spcBef>
+                <a:spcPts val="0"/>
+              </a:spcBef>
+              <a:spcAft>
+                <a:spcPts val="2100"/>
+              </a:spcAft>
+              <a:buNone/>
+            </a:pPr>
+            <a:r>
+              <a:rPr lang="vi-VN" dirty="0">
+                <a:solidFill>
+                  <a:schemeClr val="accent1"/>
+                </a:solidFill>
+              </a:rPr>
+              <a:t>2.DataType</a:t>
+            </a:r>
+            <a:endParaRPr dirty="0">
+              <a:solidFill>
+                <a:schemeClr val="accent1"/>
+              </a:solidFill>
+            </a:endParaRPr>
+          </a:p>
+        </p:txBody>
+      </p:sp>
+      <p:sp>
+        <p:nvSpPr>
+          <p:cNvPr id="9" name="TextBox 8">
+            <a:extLst>
+              <a:ext uri="{FF2B5EF4-FFF2-40B4-BE49-F238E27FC236}">
+                <a16:creationId xmlns:a16="http://schemas.microsoft.com/office/drawing/2014/main" id="{56855226-A937-E460-9009-9131514EE1BA}"/>
+              </a:ext>
+            </a:extLst>
+          </p:cNvPr>
+          <p:cNvSpPr txBox="1"/>
+          <p:nvPr/>
+        </p:nvSpPr>
+        <p:spPr>
+          <a:xfrm>
+            <a:off x="1513002" y="1722263"/>
+            <a:ext cx="8201320" cy="369332"/>
+          </a:xfrm>
+          <a:prstGeom prst="rect">
+            <a:avLst/>
+          </a:prstGeom>
+          <a:noFill/>
+        </p:spPr>
+        <p:txBody>
+          <a:bodyPr wrap="square" rtlCol="0">
+            <a:spAutoFit/>
+          </a:bodyPr>
+          <a:lstStyle/>
+          <a:p>
+            <a:r>
+              <a:rPr lang="vi-VN" sz="1800" b="1" i="1" u="sng" dirty="0">
+                <a:solidFill>
+                  <a:schemeClr val="tx1"/>
+                </a:solidFill>
+                <a:latin typeface="Roboto Mono" panose="00000009000000000000" pitchFamily="49" charset="0"/>
+                <a:ea typeface="Roboto Mono" panose="00000009000000000000" pitchFamily="49" charset="0"/>
+              </a:rPr>
+              <a:t>2.4 When to use ?</a:t>
+            </a:r>
+          </a:p>
+        </p:txBody>
+      </p:sp>
+      <p:sp>
+        <p:nvSpPr>
+          <p:cNvPr id="6" name="Rectangle 2">
+            <a:extLst>
+              <a:ext uri="{FF2B5EF4-FFF2-40B4-BE49-F238E27FC236}">
+                <a16:creationId xmlns:a16="http://schemas.microsoft.com/office/drawing/2014/main" id="{27173A15-D599-449C-714F-C0C6F3B4D8AF}"/>
+              </a:ext>
+            </a:extLst>
+          </p:cNvPr>
+          <p:cNvSpPr>
+            <a:spLocks noChangeArrowheads="1"/>
+          </p:cNvSpPr>
+          <p:nvPr/>
+        </p:nvSpPr>
+        <p:spPr bwMode="auto">
+          <a:xfrm>
+            <a:off x="1912182" y="2252241"/>
+            <a:ext cx="8441356" cy="3272629"/>
+          </a:xfrm>
+          <a:prstGeom prst="rect">
+            <a:avLst/>
+          </a:prstGeom>
+          <a:noFill/>
+          <a:ln>
+            <a:noFill/>
+          </a:ln>
+          <a:effectLst/>
+        </p:spPr>
+        <p:txBody>
+          <a:bodyPr vert="horz" wrap="square" lIns="0" tIns="198375" rIns="0" bIns="198375" numCol="1" anchor="ctr" anchorCtr="0" compatLnSpc="1">
+            <a:prstTxWarp prst="textNoShape">
+              <a:avLst/>
+            </a:prstTxWarp>
+            <a:spAutoFit/>
+          </a:bodyPr>
+          <a:lstStyle/>
+          <a:p>
+            <a:pPr marL="0" marR="0" lvl="0" indent="0" algn="l" defTabSz="914400" rtl="0" eaLnBrk="0" fontAlgn="base" latinLnBrk="0" hangingPunct="0">
+              <a:lnSpc>
+                <a:spcPct val="150000"/>
+              </a:lnSpc>
+              <a:spcBef>
+                <a:spcPct val="0"/>
+              </a:spcBef>
+              <a:spcAft>
+                <a:spcPct val="0"/>
+              </a:spcAft>
+              <a:buClrTx/>
+              <a:buSzTx/>
+              <a:tabLst/>
+            </a:pPr>
+            <a:r>
+              <a:rPr kumimoji="0" lang="vi-VN" altLang="vi-VN" b="0" i="0" u="none" strike="noStrike" cap="none" normalizeH="0" baseline="0" dirty="0">
+                <a:ln>
+                  <a:noFill/>
+                </a:ln>
+                <a:solidFill>
+                  <a:schemeClr val="tx1"/>
+                </a:solidFill>
+                <a:effectLst/>
+                <a:latin typeface="Roboto Mono" panose="00000009000000000000" pitchFamily="49" charset="0"/>
+                <a:ea typeface="Roboto Mono" panose="00000009000000000000" pitchFamily="49" charset="0"/>
+              </a:rPr>
+              <a:t>1. Cần làm việc với giá trị null: Kiểu Wrapper có thể chứa giá trị null, cho phép biểu diễn các trạng thái không có giá trị hoặc giá trị không xác định.</a:t>
+            </a:r>
+          </a:p>
+          <a:p>
+            <a:pPr marL="0" marR="0" lvl="0" indent="0" algn="l" defTabSz="914400" rtl="0" eaLnBrk="0" fontAlgn="base" latinLnBrk="0" hangingPunct="0">
+              <a:lnSpc>
+                <a:spcPct val="150000"/>
+              </a:lnSpc>
+              <a:spcBef>
+                <a:spcPct val="0"/>
+              </a:spcBef>
+              <a:spcAft>
+                <a:spcPct val="0"/>
+              </a:spcAft>
+              <a:buClrTx/>
+              <a:buSzTx/>
+              <a:tabLst/>
+            </a:pPr>
+            <a:r>
+              <a:rPr kumimoji="0" lang="vi-VN" altLang="vi-VN" b="0" i="0" u="none" strike="noStrike" cap="none" normalizeH="0" baseline="0" dirty="0">
+                <a:ln>
+                  <a:noFill/>
+                </a:ln>
+                <a:solidFill>
+                  <a:schemeClr val="tx1"/>
+                </a:solidFill>
+                <a:effectLst/>
+                <a:latin typeface="Roboto Mono" panose="00000009000000000000" pitchFamily="49" charset="0"/>
+                <a:ea typeface="Roboto Mono" panose="00000009000000000000" pitchFamily="49" charset="0"/>
+              </a:rPr>
+              <a:t>2. Sử dụng trong Collections và Generics: Collections và Generics trong Java yêu cầu sử dụng các đối tượng thay vì kiểu dữ liệu nguyên thủy, vì vậy kiểu Wrapper cần được sử dụng khi làm việc với chúng.</a:t>
+            </a:r>
+          </a:p>
+          <a:p>
+            <a:pPr marL="0" marR="0" lvl="0" indent="0" algn="l" defTabSz="914400" rtl="0" eaLnBrk="0" fontAlgn="base" latinLnBrk="0" hangingPunct="0">
+              <a:lnSpc>
+                <a:spcPct val="150000"/>
+              </a:lnSpc>
+              <a:spcBef>
+                <a:spcPct val="0"/>
+              </a:spcBef>
+              <a:spcAft>
+                <a:spcPct val="0"/>
+              </a:spcAft>
+              <a:buClrTx/>
+              <a:buSzTx/>
+              <a:tabLst/>
+            </a:pPr>
+            <a:r>
+              <a:rPr kumimoji="0" lang="vi-VN" altLang="vi-VN" b="0" i="0" u="none" strike="noStrike" cap="none" normalizeH="0" baseline="0" dirty="0">
+                <a:ln>
+                  <a:noFill/>
+                </a:ln>
+                <a:solidFill>
+                  <a:schemeClr val="tx1"/>
+                </a:solidFill>
+                <a:effectLst/>
+                <a:latin typeface="Roboto Mono" panose="00000009000000000000" pitchFamily="49" charset="0"/>
+                <a:ea typeface="Roboto Mono" panose="00000009000000000000" pitchFamily="49" charset="0"/>
+              </a:rPr>
+              <a:t>3. Cần sử dụng các phương thức và thuộc tính đặc biệt: Kiểu Wrapper cung cấp các phương thức và thuộc tính để thực hiện các thao tác phức tạp như chuyển đổi kiểu dữ liệu, tính toán phức tạp và truy cập thông tin chi tiết của kiểu dữ liệu.</a:t>
+            </a:r>
+          </a:p>
+        </p:txBody>
+      </p:sp>
+      <p:sp>
+        <p:nvSpPr>
+          <p:cNvPr id="3" name="TextBox 2">
+            <a:extLst>
+              <a:ext uri="{FF2B5EF4-FFF2-40B4-BE49-F238E27FC236}">
+                <a16:creationId xmlns:a16="http://schemas.microsoft.com/office/drawing/2014/main" id="{93CDC3AD-5A42-0D24-AA30-371AE4AF2072}"/>
+              </a:ext>
+            </a:extLst>
+          </p:cNvPr>
+          <p:cNvSpPr txBox="1"/>
+          <p:nvPr/>
+        </p:nvSpPr>
+        <p:spPr>
+          <a:xfrm>
+            <a:off x="1832610" y="2037984"/>
+            <a:ext cx="8201320" cy="369332"/>
+          </a:xfrm>
+          <a:prstGeom prst="rect">
+            <a:avLst/>
+          </a:prstGeom>
+          <a:noFill/>
+        </p:spPr>
+        <p:txBody>
+          <a:bodyPr wrap="square" rtlCol="0">
+            <a:spAutoFit/>
+          </a:bodyPr>
+          <a:lstStyle/>
+          <a:p>
+            <a:r>
+              <a:rPr lang="vi-VN" sz="1800" b="1" i="1" u="sng" dirty="0">
+                <a:solidFill>
+                  <a:schemeClr val="tx1"/>
+                </a:solidFill>
+                <a:latin typeface="Roboto Mono" panose="00000009000000000000" pitchFamily="49" charset="0"/>
+                <a:ea typeface="Roboto Mono" panose="00000009000000000000" pitchFamily="49" charset="0"/>
+              </a:rPr>
+              <a:t>2.4.2 Wrapper</a:t>
+            </a:r>
+          </a:p>
+        </p:txBody>
+      </p:sp>
+    </p:spTree>
+    <p:extLst>
+      <p:ext uri="{BB962C8B-B14F-4D97-AF65-F5344CB8AC3E}">
+        <p14:creationId xmlns:p14="http://schemas.microsoft.com/office/powerpoint/2010/main" val="2588102234"/>
+      </p:ext>
+    </p:extLst>
   </p:cSld>
   <p:clrMapOvr>
     <a:masterClrMapping/>
